--- a/pyWorks/자료/django_ppt/polls_ppt/polls 4장. static 및 view 제어함수2.pptx
+++ b/pyWorks/자료/django_ppt/polls_ppt/polls 4장. static 및 view 제어함수2.pptx
@@ -9,22 +9,22 @@
   </p:notesMasterIdLst>
   <p:sldIdLst>
     <p:sldId id="256" r:id="rId2"/>
-    <p:sldId id="370" r:id="rId3"/>
-    <p:sldId id="386" r:id="rId4"/>
-    <p:sldId id="387" r:id="rId5"/>
-    <p:sldId id="423" r:id="rId6"/>
-    <p:sldId id="422" r:id="rId7"/>
-    <p:sldId id="421" r:id="rId8"/>
-    <p:sldId id="392" r:id="rId9"/>
-    <p:sldId id="393" r:id="rId10"/>
-    <p:sldId id="395" r:id="rId11"/>
-    <p:sldId id="428" r:id="rId12"/>
-    <p:sldId id="429" r:id="rId13"/>
-    <p:sldId id="426" r:id="rId14"/>
-    <p:sldId id="427" r:id="rId15"/>
-    <p:sldId id="430" r:id="rId16"/>
-    <p:sldId id="414" r:id="rId17"/>
-    <p:sldId id="416" r:id="rId18"/>
+    <p:sldId id="386" r:id="rId3"/>
+    <p:sldId id="436" r:id="rId4"/>
+    <p:sldId id="370" r:id="rId5"/>
+    <p:sldId id="387" r:id="rId6"/>
+    <p:sldId id="423" r:id="rId7"/>
+    <p:sldId id="422" r:id="rId8"/>
+    <p:sldId id="421" r:id="rId9"/>
+    <p:sldId id="392" r:id="rId10"/>
+    <p:sldId id="393" r:id="rId11"/>
+    <p:sldId id="395" r:id="rId12"/>
+    <p:sldId id="428" r:id="rId13"/>
+    <p:sldId id="429" r:id="rId14"/>
+    <p:sldId id="426" r:id="rId15"/>
+    <p:sldId id="427" r:id="rId16"/>
+    <p:sldId id="430" r:id="rId17"/>
+    <p:sldId id="414" r:id="rId18"/>
     <p:sldId id="398" r:id="rId19"/>
     <p:sldId id="399" r:id="rId20"/>
     <p:sldId id="413" r:id="rId21"/>
@@ -137,7 +137,7 @@
   </p:defaultTextStyle>
   <p:extLst>
     <p:ext uri="{EFAFB233-063F-42B5-8137-9DF3F51BA10A}">
-      <p15:sldGuideLst xmlns="" xmlns:p15="http://schemas.microsoft.com/office/powerpoint/2012/main">
+      <p15:sldGuideLst xmlns:p15="http://schemas.microsoft.com/office/powerpoint/2012/main">
         <p15:guide id="1" orient="horz" pos="2160">
           <p15:clr>
             <a:srgbClr val="A4A3A4"/>
@@ -236,7 +236,7 @@
           <a:p>
             <a:fld id="{7665CDAC-D627-4E87-877A-1B781DD4CADC}" type="datetimeFigureOut">
               <a:rPr lang="ko-KR" altLang="en-US" smtClean="0"/>
-              <a:t>2022-03-02</a:t>
+              <a:t>2023-06-15</a:t>
             </a:fld>
             <a:endParaRPr lang="ko-KR" altLang="en-US"/>
           </a:p>
@@ -816,7 +816,7 @@
           <a:p>
             <a:fld id="{C25BCFD5-C4DF-4EBC-B718-C69ED2FBDE6F}" type="datetime1">
               <a:rPr lang="ko-KR" altLang="en-US" smtClean="0"/>
-              <a:t>2022-03-02</a:t>
+              <a:t>2023-06-15</a:t>
             </a:fld>
             <a:endParaRPr lang="ko-KR" altLang="en-US"/>
           </a:p>
@@ -869,7 +869,7 @@
           <p:cNvPr id="9" name="직각 삼각형 2">
             <a:extLst>
               <a:ext uri="{FF2B5EF4-FFF2-40B4-BE49-F238E27FC236}">
-                <a16:creationId xmlns:a16="http://schemas.microsoft.com/office/drawing/2014/main" xmlns="" id="{3A714731-6D03-4E18-B8C6-D8E1F4F17412}"/>
+                <a16:creationId xmlns:a16="http://schemas.microsoft.com/office/drawing/2014/main" id="{3A714731-6D03-4E18-B8C6-D8E1F4F17412}"/>
               </a:ext>
             </a:extLst>
           </p:cNvPr>
@@ -985,7 +985,7 @@
           <p:cNvPr id="3" name="직각 삼각형 2">
             <a:extLst>
               <a:ext uri="{FF2B5EF4-FFF2-40B4-BE49-F238E27FC236}">
-                <a16:creationId xmlns:a16="http://schemas.microsoft.com/office/drawing/2014/main" xmlns="" id="{DF1B6BC0-8338-40DD-BF30-626E17AD387E}"/>
+                <a16:creationId xmlns:a16="http://schemas.microsoft.com/office/drawing/2014/main" id="{DF1B6BC0-8338-40DD-BF30-626E17AD387E}"/>
               </a:ext>
             </a:extLst>
           </p:cNvPr>
@@ -1098,7 +1098,7 @@
           <p:cNvPr id="2050" name="Picture 2" descr="íì´ì¬ â¢">
             <a:extLst>
               <a:ext uri="{FF2B5EF4-FFF2-40B4-BE49-F238E27FC236}">
-                <a16:creationId xmlns:a16="http://schemas.microsoft.com/office/drawing/2014/main" xmlns="" id="{8B696DBA-70BE-4EBC-8628-59B49C89E0D4}"/>
+                <a16:creationId xmlns:a16="http://schemas.microsoft.com/office/drawing/2014/main" id="{8B696DBA-70BE-4EBC-8628-59B49C89E0D4}"/>
               </a:ext>
             </a:extLst>
           </p:cNvPr>
@@ -1267,7 +1267,7 @@
           <a:p>
             <a:fld id="{AB448CD7-D367-43D5-B461-ACE552E75063}" type="datetime1">
               <a:rPr lang="ko-KR" altLang="en-US" smtClean="0"/>
-              <a:t>2022-03-02</a:t>
+              <a:t>2023-06-15</a:t>
             </a:fld>
             <a:endParaRPr lang="ko-KR" altLang="en-US"/>
           </a:p>
@@ -1445,7 +1445,7 @@
           <a:p>
             <a:fld id="{B6E49E79-7361-4780-8BEF-7EDE3708298A}" type="datetime1">
               <a:rPr lang="ko-KR" altLang="en-US" smtClean="0"/>
-              <a:t>2022-03-02</a:t>
+              <a:t>2023-06-15</a:t>
             </a:fld>
             <a:endParaRPr lang="ko-KR" altLang="en-US"/>
           </a:p>
@@ -1617,7 +1617,7 @@
           <a:p>
             <a:fld id="{A4D42E3C-B70B-437C-85CF-1286301B9CBA}" type="datetime1">
               <a:rPr lang="ko-KR" altLang="en-US" smtClean="0"/>
-              <a:t>2022-03-02</a:t>
+              <a:t>2023-06-15</a:t>
             </a:fld>
             <a:endParaRPr lang="ko-KR" altLang="en-US"/>
           </a:p>
@@ -1869,7 +1869,7 @@
           <a:p>
             <a:fld id="{B3369A20-5B3D-4D98-A822-26B93D177A40}" type="datetime1">
               <a:rPr lang="ko-KR" altLang="en-US" smtClean="0"/>
-              <a:t>2022-03-02</a:t>
+              <a:t>2023-06-15</a:t>
             </a:fld>
             <a:endParaRPr lang="ko-KR" altLang="en-US"/>
           </a:p>
@@ -2154,7 +2154,7 @@
           <a:p>
             <a:fld id="{685CD4CE-9E43-4F70-A9D8-A2130CA7D92A}" type="datetime1">
               <a:rPr lang="ko-KR" altLang="en-US" smtClean="0"/>
-              <a:t>2022-03-02</a:t>
+              <a:t>2023-06-15</a:t>
             </a:fld>
             <a:endParaRPr lang="ko-KR" altLang="en-US"/>
           </a:p>
@@ -2580,7 +2580,7 @@
           <a:p>
             <a:fld id="{F752BD92-DA3E-4A0B-90C9-7DE5E15B6E96}" type="datetime1">
               <a:rPr lang="ko-KR" altLang="en-US" smtClean="0"/>
-              <a:t>2022-03-02</a:t>
+              <a:t>2023-06-15</a:t>
             </a:fld>
             <a:endParaRPr lang="ko-KR" altLang="en-US"/>
           </a:p>
@@ -2704,7 +2704,7 @@
           <a:p>
             <a:fld id="{8EA2B83A-F366-424E-B742-340ACF856BB5}" type="datetime1">
               <a:rPr lang="ko-KR" altLang="en-US" smtClean="0"/>
-              <a:t>2022-03-02</a:t>
+              <a:t>2023-06-15</a:t>
             </a:fld>
             <a:endParaRPr lang="ko-KR" altLang="en-US"/>
           </a:p>
@@ -2799,7 +2799,7 @@
           <a:p>
             <a:fld id="{9A49D68B-5DBD-48E9-A8D4-FCBC4B3DD9C6}" type="datetime1">
               <a:rPr lang="ko-KR" altLang="en-US" smtClean="0"/>
-              <a:t>2022-03-02</a:t>
+              <a:t>2023-06-15</a:t>
             </a:fld>
             <a:endParaRPr lang="ko-KR" altLang="en-US"/>
           </a:p>
@@ -3074,7 +3074,7 @@
           <a:p>
             <a:fld id="{4CAB534F-7D16-467B-9320-91F98915D181}" type="datetime1">
               <a:rPr lang="ko-KR" altLang="en-US" smtClean="0"/>
-              <a:t>2022-03-02</a:t>
+              <a:t>2023-06-15</a:t>
             </a:fld>
             <a:endParaRPr lang="ko-KR" altLang="en-US"/>
           </a:p>
@@ -3326,7 +3326,7 @@
           <a:p>
             <a:fld id="{A390A91F-2F8D-4486-A69D-D680F95444B0}" type="datetime1">
               <a:rPr lang="ko-KR" altLang="en-US" smtClean="0"/>
-              <a:t>2022-03-02</a:t>
+              <a:t>2023-06-15</a:t>
             </a:fld>
             <a:endParaRPr lang="ko-KR" altLang="en-US"/>
           </a:p>
@@ -3505,7 +3505,7 @@
           <a:p>
             <a:fld id="{2238BBEA-E8DD-414A-BF68-FC2AFA7CFF2D}" type="datetime1">
               <a:rPr lang="ko-KR" altLang="en-US" smtClean="0"/>
-              <a:t>2022-03-02</a:t>
+              <a:t>2023-06-15</a:t>
             </a:fld>
             <a:endParaRPr lang="ko-KR" altLang="en-US"/>
           </a:p>
@@ -4459,19 +4459,15 @@
           <a:p>
             <a:r>
               <a:rPr lang="en-US" altLang="ko-KR" dirty="0" smtClean="0"/>
-              <a:t> control - </a:t>
-            </a:r>
-            <a:r>
-              <a:rPr lang="en-US" altLang="ko-KR" dirty="0" err="1" smtClean="0"/>
-              <a:t>url</a:t>
-            </a:r>
-            <a:r>
-              <a:rPr lang="en-US" altLang="ko-KR" dirty="0" smtClean="0"/>
-              <a:t> </a:t>
+              <a:t> control </a:t>
+            </a:r>
+            <a:r>
+              <a:rPr lang="ko-KR" altLang="en-US" dirty="0" err="1" smtClean="0"/>
+              <a:t>앱</a:t>
             </a:r>
             <a:r>
               <a:rPr lang="ko-KR" altLang="en-US" dirty="0" smtClean="0"/>
-              <a:t>경로</a:t>
+              <a:t> 생성하기</a:t>
             </a:r>
             <a:endParaRPr lang="ko-KR" altLang="en-US" dirty="0"/>
           </a:p>
@@ -4495,6 +4491,526 @@
             <a:fld id="{1BDE3FE7-3AEA-4B05-AC5A-802D1816ACF0}" type="slidenum">
               <a:rPr lang="ko-KR" altLang="en-US" smtClean="0"/>
               <a:t>10</a:t>
+            </a:fld>
+            <a:endParaRPr lang="ko-KR" altLang="en-US"/>
+          </a:p>
+        </p:txBody>
+      </p:sp>
+      <p:sp>
+        <p:nvSpPr>
+          <p:cNvPr id="14" name="TextBox 13"/>
+          <p:cNvSpPr txBox="1"/>
+          <p:nvPr/>
+        </p:nvSpPr>
+        <p:spPr>
+          <a:xfrm>
+            <a:off x="848544" y="1196752"/>
+            <a:ext cx="8280920" cy="553998"/>
+          </a:xfrm>
+          <a:prstGeom prst="rect">
+            <a:avLst/>
+          </a:prstGeom>
+          <a:ln>
+            <a:noFill/>
+          </a:ln>
+        </p:spPr>
+        <p:style>
+          <a:lnRef idx="2">
+            <a:schemeClr val="dk1"/>
+          </a:lnRef>
+          <a:fillRef idx="1">
+            <a:schemeClr val="lt1"/>
+          </a:fillRef>
+          <a:effectRef idx="0">
+            <a:schemeClr val="dk1"/>
+          </a:effectRef>
+          <a:fontRef idx="minor">
+            <a:schemeClr val="dk1"/>
+          </a:fontRef>
+        </p:style>
+        <p:txBody>
+          <a:bodyPr wrap="square" rtlCol="0">
+            <a:spAutoFit/>
+          </a:bodyPr>
+          <a:lstStyle/>
+          <a:p>
+            <a:pPr marL="342900" indent="-342900">
+              <a:lnSpc>
+                <a:spcPct val="150000"/>
+              </a:lnSpc>
+              <a:buFont typeface="Wingdings" panose="05000000000000000000" pitchFamily="2" charset="2"/>
+              <a:buChar char="l"/>
+            </a:pPr>
+            <a:r>
+              <a:rPr lang="en-US" altLang="ko-KR" sz="2000" b="1" dirty="0"/>
+              <a:t>control</a:t>
+            </a:r>
+            <a:r>
+              <a:rPr lang="en-US" altLang="ko-KR" sz="2000" dirty="0" smtClean="0">
+                <a:latin typeface="휴먼엑스포" panose="02030504000101010101" pitchFamily="18" charset="-127"/>
+                <a:ea typeface="휴먼엑스포" panose="02030504000101010101" pitchFamily="18" charset="-127"/>
+              </a:rPr>
+              <a:t> </a:t>
+            </a:r>
+            <a:r>
+              <a:rPr lang="ko-KR" altLang="en-US" sz="2000" dirty="0" err="1" smtClean="0">
+                <a:latin typeface="휴먼엑스포" panose="02030504000101010101" pitchFamily="18" charset="-127"/>
+                <a:ea typeface="휴먼엑스포" panose="02030504000101010101" pitchFamily="18" charset="-127"/>
+              </a:rPr>
+              <a:t>앱</a:t>
+            </a:r>
+            <a:r>
+              <a:rPr lang="ko-KR" altLang="en-US" sz="2000" dirty="0">
+                <a:latin typeface="휴먼엑스포" panose="02030504000101010101" pitchFamily="18" charset="-127"/>
+                <a:ea typeface="휴먼엑스포" panose="02030504000101010101" pitchFamily="18" charset="-127"/>
+              </a:rPr>
+              <a:t> </a:t>
+            </a:r>
+            <a:r>
+              <a:rPr lang="ko-KR" altLang="en-US" sz="2000" dirty="0" smtClean="0">
+                <a:latin typeface="휴먼엑스포" panose="02030504000101010101" pitchFamily="18" charset="-127"/>
+                <a:ea typeface="휴먼엑스포" panose="02030504000101010101" pitchFamily="18" charset="-127"/>
+              </a:rPr>
+              <a:t>만들기 </a:t>
+            </a:r>
+            <a:endParaRPr lang="en-US" altLang="ko-KR" sz="2000" dirty="0" smtClean="0">
+              <a:latin typeface="휴먼엑스포" panose="02030504000101010101" pitchFamily="18" charset="-127"/>
+              <a:ea typeface="휴먼엑스포" panose="02030504000101010101" pitchFamily="18" charset="-127"/>
+            </a:endParaRPr>
+          </a:p>
+        </p:txBody>
+      </p:sp>
+      <p:sp>
+        <p:nvSpPr>
+          <p:cNvPr id="3" name="TextBox 2"/>
+          <p:cNvSpPr txBox="1"/>
+          <p:nvPr/>
+        </p:nvSpPr>
+        <p:spPr>
+          <a:xfrm>
+            <a:off x="1280592" y="1763524"/>
+            <a:ext cx="4248472" cy="1754326"/>
+          </a:xfrm>
+          <a:prstGeom prst="rect">
+            <a:avLst/>
+          </a:prstGeom>
+          <a:noFill/>
+        </p:spPr>
+        <p:txBody>
+          <a:bodyPr wrap="square" rtlCol="0">
+            <a:spAutoFit/>
+          </a:bodyPr>
+          <a:lstStyle/>
+          <a:p>
+            <a:pPr marL="342900" indent="-342900">
+              <a:buFont typeface="+mj-lt"/>
+              <a:buAutoNum type="arabicPeriod"/>
+            </a:pPr>
+            <a:r>
+              <a:rPr lang="en-US" altLang="ko-KR" dirty="0" smtClean="0"/>
+              <a:t>control </a:t>
+            </a:r>
+            <a:r>
+              <a:rPr lang="ko-KR" altLang="en-US" dirty="0" err="1" smtClean="0"/>
+              <a:t>앱</a:t>
+            </a:r>
+            <a:r>
+              <a:rPr lang="ko-KR" altLang="en-US" dirty="0" smtClean="0"/>
+              <a:t> 생성</a:t>
+            </a:r>
+            <a:endParaRPr lang="en-US" altLang="ko-KR" dirty="0" smtClean="0"/>
+          </a:p>
+          <a:p>
+            <a:pPr marL="342900" indent="-342900">
+              <a:buFont typeface="+mj-lt"/>
+              <a:buAutoNum type="arabicPeriod"/>
+            </a:pPr>
+            <a:endParaRPr lang="en-US" altLang="ko-KR" dirty="0"/>
+          </a:p>
+          <a:p>
+            <a:pPr marL="342900" indent="-342900">
+              <a:buFont typeface="+mj-lt"/>
+              <a:buAutoNum type="arabicPeriod"/>
+            </a:pPr>
+            <a:endParaRPr lang="en-US" altLang="ko-KR" dirty="0" smtClean="0"/>
+          </a:p>
+          <a:p>
+            <a:pPr marL="342900" indent="-342900">
+              <a:buFont typeface="+mj-lt"/>
+              <a:buAutoNum type="arabicPeriod"/>
+            </a:pPr>
+            <a:endParaRPr lang="en-US" altLang="ko-KR" dirty="0"/>
+          </a:p>
+          <a:p>
+            <a:pPr marL="342900" indent="-342900">
+              <a:buFont typeface="+mj-lt"/>
+              <a:buAutoNum type="arabicPeriod"/>
+            </a:pPr>
+            <a:endParaRPr lang="en-US" altLang="ko-KR" dirty="0" smtClean="0"/>
+          </a:p>
+          <a:p>
+            <a:pPr marL="342900" indent="-342900">
+              <a:buFont typeface="+mj-lt"/>
+              <a:buAutoNum type="arabicPeriod"/>
+            </a:pPr>
+            <a:r>
+              <a:rPr lang="en-US" altLang="ko-KR" dirty="0" smtClean="0"/>
+              <a:t>URL </a:t>
+            </a:r>
+            <a:r>
+              <a:rPr lang="ko-KR" altLang="en-US" dirty="0" err="1" smtClean="0"/>
+              <a:t>매핑</a:t>
+            </a:r>
+            <a:r>
+              <a:rPr lang="ko-KR" altLang="en-US" dirty="0" smtClean="0"/>
+              <a:t> 설정 </a:t>
+            </a:r>
+            <a:r>
+              <a:rPr lang="en-US" altLang="ko-KR" dirty="0" smtClean="0"/>
+              <a:t>– config/urls.py</a:t>
+            </a:r>
+          </a:p>
+        </p:txBody>
+      </p:sp>
+      <p:sp>
+        <p:nvSpPr>
+          <p:cNvPr id="7" name="TextBox 6"/>
+          <p:cNvSpPr txBox="1"/>
+          <p:nvPr/>
+        </p:nvSpPr>
+        <p:spPr>
+          <a:xfrm>
+            <a:off x="1640632" y="2273097"/>
+            <a:ext cx="6984776" cy="507831"/>
+          </a:xfrm>
+          <a:prstGeom prst="rect">
+            <a:avLst/>
+          </a:prstGeom>
+          <a:solidFill>
+            <a:schemeClr val="bg1">
+              <a:lumMod val="95000"/>
+            </a:schemeClr>
+          </a:solidFill>
+        </p:spPr>
+        <p:txBody>
+          <a:bodyPr wrap="square" rtlCol="0">
+            <a:spAutoFit/>
+          </a:bodyPr>
+          <a:lstStyle/>
+          <a:p>
+            <a:pPr>
+              <a:lnSpc>
+                <a:spcPct val="150000"/>
+              </a:lnSpc>
+            </a:pPr>
+            <a:r>
+              <a:rPr lang="en-US" altLang="ko-KR" dirty="0" smtClean="0">
+                <a:latin typeface="Ebrima" panose="02000000000000000000" pitchFamily="2" charset="0"/>
+                <a:ea typeface="Ebrima" panose="02000000000000000000" pitchFamily="2" charset="0"/>
+                <a:cs typeface="Ebrima" panose="02000000000000000000" pitchFamily="2" charset="0"/>
+              </a:rPr>
+              <a:t>(</a:t>
+            </a:r>
+            <a:r>
+              <a:rPr lang="en-US" altLang="ko-KR" dirty="0" err="1" smtClean="0">
+                <a:latin typeface="Ebrima" panose="02000000000000000000" pitchFamily="2" charset="0"/>
+                <a:ea typeface="Ebrima" panose="02000000000000000000" pitchFamily="2" charset="0"/>
+                <a:cs typeface="Ebrima" panose="02000000000000000000" pitchFamily="2" charset="0"/>
+              </a:rPr>
+              <a:t>mysite</a:t>
+            </a:r>
+            <a:r>
+              <a:rPr lang="en-US" altLang="ko-KR" dirty="0" smtClean="0">
+                <a:latin typeface="Ebrima" panose="02000000000000000000" pitchFamily="2" charset="0"/>
+                <a:ea typeface="Ebrima" panose="02000000000000000000" pitchFamily="2" charset="0"/>
+                <a:cs typeface="Ebrima" panose="02000000000000000000" pitchFamily="2" charset="0"/>
+              </a:rPr>
+              <a:t>)</a:t>
+            </a:r>
+            <a:r>
+              <a:rPr lang="en-US" altLang="ko-KR" dirty="0">
+                <a:latin typeface="Ebrima" panose="02000000000000000000" pitchFamily="2" charset="0"/>
+                <a:ea typeface="Ebrima" panose="02000000000000000000" pitchFamily="2" charset="0"/>
+                <a:cs typeface="Ebrima" panose="02000000000000000000" pitchFamily="2" charset="0"/>
+              </a:rPr>
+              <a:t> C</a:t>
+            </a:r>
+            <a:r>
+              <a:rPr lang="en-US" altLang="ko-KR" dirty="0" smtClean="0">
+                <a:latin typeface="Ebrima" panose="02000000000000000000" pitchFamily="2" charset="0"/>
+                <a:ea typeface="Ebrima" panose="02000000000000000000" pitchFamily="2" charset="0"/>
+                <a:cs typeface="Ebrima" panose="02000000000000000000" pitchFamily="2" charset="0"/>
+              </a:rPr>
+              <a:t>:\projects\polls&gt;</a:t>
+            </a:r>
+            <a:r>
+              <a:rPr lang="en-US" altLang="ko-KR" b="1" dirty="0" smtClean="0">
+                <a:latin typeface="Ebrima" panose="02000000000000000000" pitchFamily="2" charset="0"/>
+                <a:ea typeface="Ebrima" panose="02000000000000000000" pitchFamily="2" charset="0"/>
+                <a:cs typeface="Ebrima" panose="02000000000000000000" pitchFamily="2" charset="0"/>
+              </a:rPr>
+              <a:t>python manage.py </a:t>
+            </a:r>
+            <a:r>
+              <a:rPr lang="en-US" altLang="ko-KR" b="1" dirty="0" err="1" smtClean="0">
+                <a:latin typeface="Ebrima" panose="02000000000000000000" pitchFamily="2" charset="0"/>
+                <a:ea typeface="Ebrima" panose="02000000000000000000" pitchFamily="2" charset="0"/>
+                <a:cs typeface="Ebrima" panose="02000000000000000000" pitchFamily="2" charset="0"/>
+              </a:rPr>
+              <a:t>startapp</a:t>
+            </a:r>
+            <a:r>
+              <a:rPr lang="en-US" altLang="ko-KR" b="1" dirty="0" smtClean="0">
+                <a:latin typeface="Ebrima" panose="02000000000000000000" pitchFamily="2" charset="0"/>
+                <a:ea typeface="Ebrima" panose="02000000000000000000" pitchFamily="2" charset="0"/>
+                <a:cs typeface="Ebrima" panose="02000000000000000000" pitchFamily="2" charset="0"/>
+              </a:rPr>
+              <a:t> </a:t>
+            </a:r>
+            <a:r>
+              <a:rPr lang="en-US" altLang="ko-KR" b="1" dirty="0"/>
+              <a:t>control</a:t>
+            </a:r>
+            <a:r>
+              <a:rPr lang="en-US" altLang="ko-KR" b="1" dirty="0" smtClean="0">
+                <a:latin typeface="Ebrima" panose="02000000000000000000" pitchFamily="2" charset="0"/>
+                <a:ea typeface="Ebrima" panose="02000000000000000000" pitchFamily="2" charset="0"/>
+                <a:cs typeface="Ebrima" panose="02000000000000000000" pitchFamily="2" charset="0"/>
+              </a:rPr>
+              <a:t> </a:t>
+            </a:r>
+            <a:endParaRPr lang="en-US" altLang="ko-KR" b="1" dirty="0">
+              <a:latin typeface="Ebrima" panose="02000000000000000000" pitchFamily="2" charset="0"/>
+              <a:ea typeface="Ebrima" panose="02000000000000000000" pitchFamily="2" charset="0"/>
+              <a:cs typeface="Ebrima" panose="02000000000000000000" pitchFamily="2" charset="0"/>
+            </a:endParaRPr>
+          </a:p>
+        </p:txBody>
+      </p:sp>
+      <p:sp>
+        <p:nvSpPr>
+          <p:cNvPr id="8" name="TextBox 7"/>
+          <p:cNvSpPr txBox="1"/>
+          <p:nvPr/>
+        </p:nvSpPr>
+        <p:spPr>
+          <a:xfrm>
+            <a:off x="1856656" y="3645024"/>
+            <a:ext cx="4464496" cy="1569660"/>
+          </a:xfrm>
+          <a:prstGeom prst="rect">
+            <a:avLst/>
+          </a:prstGeom>
+          <a:noFill/>
+          <a:ln>
+            <a:solidFill>
+              <a:schemeClr val="bg1">
+                <a:lumMod val="85000"/>
+              </a:schemeClr>
+            </a:solidFill>
+          </a:ln>
+        </p:spPr>
+        <p:txBody>
+          <a:bodyPr wrap="square" rtlCol="0">
+            <a:spAutoFit/>
+          </a:bodyPr>
+          <a:lstStyle/>
+          <a:p>
+            <a:pPr>
+              <a:lnSpc>
+                <a:spcPct val="150000"/>
+              </a:lnSpc>
+            </a:pPr>
+            <a:r>
+              <a:rPr lang="en-US" altLang="ko-KR" sz="1600" dirty="0" err="1" smtClean="0"/>
+              <a:t>urlpatterns</a:t>
+            </a:r>
+            <a:r>
+              <a:rPr lang="en-US" altLang="ko-KR" sz="1600" dirty="0" smtClean="0"/>
+              <a:t> = [</a:t>
+            </a:r>
+          </a:p>
+          <a:p>
+            <a:pPr>
+              <a:lnSpc>
+                <a:spcPct val="150000"/>
+              </a:lnSpc>
+            </a:pPr>
+            <a:r>
+              <a:rPr lang="en-US" altLang="ko-KR" sz="1600" dirty="0"/>
+              <a:t> </a:t>
+            </a:r>
+            <a:r>
+              <a:rPr lang="en-US" altLang="ko-KR" sz="1600" dirty="0" smtClean="0"/>
+              <a:t>   (… </a:t>
+            </a:r>
+            <a:r>
+              <a:rPr lang="ko-KR" altLang="en-US" sz="1600" dirty="0" smtClean="0"/>
+              <a:t>생략 </a:t>
+            </a:r>
+            <a:r>
+              <a:rPr lang="en-US" altLang="ko-KR" sz="1600" dirty="0" smtClean="0"/>
+              <a:t>…)</a:t>
+            </a:r>
+          </a:p>
+          <a:p>
+            <a:pPr>
+              <a:lnSpc>
+                <a:spcPct val="150000"/>
+              </a:lnSpc>
+            </a:pPr>
+            <a:r>
+              <a:rPr lang="en-US" altLang="ko-KR" sz="1600" dirty="0"/>
+              <a:t> </a:t>
+            </a:r>
+            <a:r>
+              <a:rPr lang="en-US" altLang="ko-KR" sz="1600" dirty="0" smtClean="0"/>
+              <a:t>   </a:t>
+            </a:r>
+            <a:r>
+              <a:rPr lang="en-US" altLang="ko-KR" sz="1600" b="1" dirty="0">
+                <a:solidFill>
+                  <a:srgbClr val="C00000"/>
+                </a:solidFill>
+              </a:rPr>
+              <a:t>path</a:t>
+            </a:r>
+            <a:r>
+              <a:rPr lang="en-US" altLang="ko-KR" sz="1600" b="1" dirty="0" smtClean="0">
+                <a:solidFill>
+                  <a:srgbClr val="C00000"/>
+                </a:solidFill>
+              </a:rPr>
+              <a:t>(‘control/’, include(‘</a:t>
+            </a:r>
+            <a:r>
+              <a:rPr lang="en-US" altLang="ko-KR" sz="1600" b="1" dirty="0" err="1" smtClean="0">
+                <a:solidFill>
+                  <a:srgbClr val="C00000"/>
+                </a:solidFill>
+              </a:rPr>
+              <a:t>control.urls</a:t>
+            </a:r>
+            <a:r>
+              <a:rPr lang="en-US" altLang="ko-KR" sz="1600" b="1" dirty="0" smtClean="0">
+                <a:solidFill>
+                  <a:srgbClr val="C00000"/>
+                </a:solidFill>
+              </a:rPr>
+              <a:t>’)),</a:t>
+            </a:r>
+            <a:endParaRPr lang="en-US" altLang="ko-KR" sz="1600" b="1" dirty="0">
+              <a:solidFill>
+                <a:srgbClr val="C00000"/>
+              </a:solidFill>
+            </a:endParaRPr>
+          </a:p>
+          <a:p>
+            <a:pPr>
+              <a:lnSpc>
+                <a:spcPct val="150000"/>
+              </a:lnSpc>
+            </a:pPr>
+            <a:r>
+              <a:rPr lang="en-US" altLang="ko-KR" sz="1600" dirty="0" smtClean="0"/>
+              <a:t>]</a:t>
+            </a:r>
+            <a:endParaRPr lang="ko-KR" altLang="en-US" sz="1600" dirty="0"/>
+          </a:p>
+        </p:txBody>
+      </p:sp>
+    </p:spTree>
+    <p:extLst>
+      <p:ext uri="{BB962C8B-B14F-4D97-AF65-F5344CB8AC3E}">
+        <p14:creationId xmlns:p14="http://schemas.microsoft.com/office/powerpoint/2010/main" val="2672730078"/>
+      </p:ext>
+    </p:extLst>
+  </p:cSld>
+  <p:clrMapOvr>
+    <a:masterClrMapping/>
+  </p:clrMapOvr>
+  <p:timing>
+    <p:tnLst>
+      <p:par>
+        <p:cTn id="1" dur="indefinite" restart="never" nodeType="tmRoot"/>
+      </p:par>
+    </p:tnLst>
+  </p:timing>
+</p:sld>
+</file>
+
+<file path=ppt/slides/slide11.xml><?xml version="1.0" encoding="utf-8"?>
+<p:sld xmlns:a="http://schemas.openxmlformats.org/drawingml/2006/main" xmlns:r="http://schemas.openxmlformats.org/officeDocument/2006/relationships" xmlns:p="http://schemas.openxmlformats.org/presentationml/2006/main">
+  <p:cSld>
+    <p:spTree>
+      <p:nvGrpSpPr>
+        <p:cNvPr id="1" name=""/>
+        <p:cNvGrpSpPr/>
+        <p:nvPr/>
+      </p:nvGrpSpPr>
+      <p:grpSpPr>
+        <a:xfrm>
+          <a:off x="0" y="0"/>
+          <a:ext cx="0" cy="0"/>
+          <a:chOff x="0" y="0"/>
+          <a:chExt cx="0" cy="0"/>
+        </a:xfrm>
+      </p:grpSpPr>
+      <p:sp>
+        <p:nvSpPr>
+          <p:cNvPr id="2" name="제목 1"/>
+          <p:cNvSpPr>
+            <a:spLocks noGrp="1"/>
+          </p:cNvSpPr>
+          <p:nvPr>
+            <p:ph type="title"/>
+          </p:nvPr>
+        </p:nvSpPr>
+        <p:spPr/>
+        <p:txBody>
+          <a:bodyPr>
+            <a:normAutofit/>
+          </a:bodyPr>
+          <a:lstStyle/>
+          <a:p>
+            <a:r>
+              <a:rPr lang="en-US" altLang="ko-KR" dirty="0" smtClean="0"/>
+              <a:t> control - </a:t>
+            </a:r>
+            <a:r>
+              <a:rPr lang="en-US" altLang="ko-KR" dirty="0" err="1" smtClean="0"/>
+              <a:t>url</a:t>
+            </a:r>
+            <a:r>
+              <a:rPr lang="en-US" altLang="ko-KR" dirty="0" smtClean="0"/>
+              <a:t> </a:t>
+            </a:r>
+            <a:r>
+              <a:rPr lang="ko-KR" altLang="en-US" dirty="0" smtClean="0"/>
+              <a:t>경로</a:t>
+            </a:r>
+            <a:endParaRPr lang="ko-KR" altLang="en-US" dirty="0"/>
+          </a:p>
+        </p:txBody>
+      </p:sp>
+      <p:sp>
+        <p:nvSpPr>
+          <p:cNvPr id="4" name="슬라이드 번호 개체 틀 3"/>
+          <p:cNvSpPr>
+            <a:spLocks noGrp="1"/>
+          </p:cNvSpPr>
+          <p:nvPr>
+            <p:ph type="sldNum" sz="quarter" idx="12"/>
+          </p:nvPr>
+        </p:nvSpPr>
+        <p:spPr/>
+        <p:txBody>
+          <a:bodyPr/>
+          <a:lstStyle/>
+          <a:p>
+            <a:fld id="{1BDE3FE7-3AEA-4B05-AC5A-802D1816ACF0}" type="slidenum">
+              <a:rPr lang="ko-KR" altLang="en-US" smtClean="0"/>
+              <a:t>11</a:t>
             </a:fld>
             <a:endParaRPr lang="ko-KR" altLang="en-US"/>
           </a:p>
@@ -4595,7 +5111,7 @@
 </p:sld>
 </file>
 
-<file path=ppt/slides/slide11.xml><?xml version="1.0" encoding="utf-8"?>
+<file path=ppt/slides/slide12.xml><?xml version="1.0" encoding="utf-8"?>
 <p:sld xmlns:a="http://schemas.openxmlformats.org/drawingml/2006/main" xmlns:r="http://schemas.openxmlformats.org/officeDocument/2006/relationships" xmlns:p="http://schemas.openxmlformats.org/presentationml/2006/main">
   <p:cSld>
     <p:spTree>
@@ -4662,7 +5178,7 @@
           <a:p>
             <a:fld id="{1BDE3FE7-3AEA-4B05-AC5A-802D1816ACF0}" type="slidenum">
               <a:rPr lang="ko-KR" altLang="en-US" smtClean="0"/>
-              <a:t>11</a:t>
+              <a:t>12</a:t>
             </a:fld>
             <a:endParaRPr lang="ko-KR" altLang="en-US"/>
           </a:p>
@@ -4763,7 +5279,7 @@
 </p:sld>
 </file>
 
-<file path=ppt/slides/slide12.xml><?xml version="1.0" encoding="utf-8"?>
+<file path=ppt/slides/slide13.xml><?xml version="1.0" encoding="utf-8"?>
 <p:sld xmlns:a="http://schemas.openxmlformats.org/drawingml/2006/main" xmlns:r="http://schemas.openxmlformats.org/officeDocument/2006/relationships" xmlns:p="http://schemas.openxmlformats.org/presentationml/2006/main">
   <p:cSld>
     <p:spTree>
@@ -4830,7 +5346,7 @@
           <a:p>
             <a:fld id="{1BDE3FE7-3AEA-4B05-AC5A-802D1816ACF0}" type="slidenum">
               <a:rPr lang="ko-KR" altLang="en-US" smtClean="0"/>
-              <a:t>12</a:t>
+              <a:t>13</a:t>
             </a:fld>
             <a:endParaRPr lang="ko-KR" altLang="en-US"/>
           </a:p>
@@ -4931,7 +5447,7 @@
 </p:sld>
 </file>
 
-<file path=ppt/slides/slide13.xml><?xml version="1.0" encoding="utf-8"?>
+<file path=ppt/slides/slide14.xml><?xml version="1.0" encoding="utf-8"?>
 <p:sld xmlns:a="http://schemas.openxmlformats.org/drawingml/2006/main" xmlns:r="http://schemas.openxmlformats.org/officeDocument/2006/relationships" xmlns:p="http://schemas.openxmlformats.org/presentationml/2006/main">
   <p:cSld>
     <p:spTree>
@@ -4994,7 +5510,7 @@
           <a:p>
             <a:fld id="{1BDE3FE7-3AEA-4B05-AC5A-802D1816ACF0}" type="slidenum">
               <a:rPr lang="ko-KR" altLang="en-US" smtClean="0"/>
-              <a:t>13</a:t>
+              <a:t>14</a:t>
             </a:fld>
             <a:endParaRPr lang="ko-KR" altLang="en-US"/>
           </a:p>
@@ -5091,7 +5607,7 @@
 </p:sld>
 </file>
 
-<file path=ppt/slides/slide14.xml><?xml version="1.0" encoding="utf-8"?>
+<file path=ppt/slides/slide15.xml><?xml version="1.0" encoding="utf-8"?>
 <p:sld xmlns:a="http://schemas.openxmlformats.org/drawingml/2006/main" xmlns:r="http://schemas.openxmlformats.org/officeDocument/2006/relationships" xmlns:p="http://schemas.openxmlformats.org/presentationml/2006/main">
   <p:cSld>
     <p:spTree>
@@ -5154,7 +5670,7 @@
           <a:p>
             <a:fld id="{1BDE3FE7-3AEA-4B05-AC5A-802D1816ACF0}" type="slidenum">
               <a:rPr lang="ko-KR" altLang="en-US" smtClean="0"/>
-              <a:t>14</a:t>
+              <a:t>15</a:t>
             </a:fld>
             <a:endParaRPr lang="ko-KR" altLang="en-US"/>
           </a:p>
@@ -5254,7 +5770,7 @@
 </p:sld>
 </file>
 
-<file path=ppt/slides/slide15.xml><?xml version="1.0" encoding="utf-8"?>
+<file path=ppt/slides/slide16.xml><?xml version="1.0" encoding="utf-8"?>
 <p:sld xmlns:a="http://schemas.openxmlformats.org/drawingml/2006/main" xmlns:r="http://schemas.openxmlformats.org/officeDocument/2006/relationships" xmlns:p="http://schemas.openxmlformats.org/presentationml/2006/main">
   <p:cSld>
     <p:spTree>
@@ -5317,7 +5833,7 @@
           <a:p>
             <a:fld id="{1BDE3FE7-3AEA-4B05-AC5A-802D1816ACF0}" type="slidenum">
               <a:rPr lang="ko-KR" altLang="en-US" smtClean="0"/>
-              <a:t>15</a:t>
+              <a:t>16</a:t>
             </a:fld>
             <a:endParaRPr lang="ko-KR" altLang="en-US"/>
           </a:p>
@@ -5418,7 +5934,7 @@
 </p:sld>
 </file>
 
-<file path=ppt/slides/slide16.xml><?xml version="1.0" encoding="utf-8"?>
+<file path=ppt/slides/slide17.xml><?xml version="1.0" encoding="utf-8"?>
 <p:sld xmlns:a="http://schemas.openxmlformats.org/drawingml/2006/main" xmlns:r="http://schemas.openxmlformats.org/officeDocument/2006/relationships" xmlns:p="http://schemas.openxmlformats.org/presentationml/2006/main">
   <p:cSld>
     <p:spTree>
@@ -5481,7 +5997,7 @@
           <a:p>
             <a:fld id="{1BDE3FE7-3AEA-4B05-AC5A-802D1816ACF0}" type="slidenum">
               <a:rPr lang="ko-KR" altLang="en-US" smtClean="0"/>
-              <a:t>16</a:t>
+              <a:t>17</a:t>
             </a:fld>
             <a:endParaRPr lang="ko-KR" altLang="en-US"/>
           </a:p>
@@ -5631,103 +6147,6 @@
     <p:extLst>
       <p:ext uri="{BB962C8B-B14F-4D97-AF65-F5344CB8AC3E}">
         <p14:creationId xmlns:p14="http://schemas.microsoft.com/office/powerpoint/2010/main" val="1278071583"/>
-      </p:ext>
-    </p:extLst>
-  </p:cSld>
-  <p:clrMapOvr>
-    <a:masterClrMapping/>
-  </p:clrMapOvr>
-  <p:timing>
-    <p:tnLst>
-      <p:par>
-        <p:cTn id="1" dur="indefinite" restart="never" nodeType="tmRoot"/>
-      </p:par>
-    </p:tnLst>
-  </p:timing>
-</p:sld>
-</file>
-
-<file path=ppt/slides/slide17.xml><?xml version="1.0" encoding="utf-8"?>
-<p:sld xmlns:a="http://schemas.openxmlformats.org/drawingml/2006/main" xmlns:r="http://schemas.openxmlformats.org/officeDocument/2006/relationships" xmlns:p="http://schemas.openxmlformats.org/presentationml/2006/main">
-  <p:cSld>
-    <p:spTree>
-      <p:nvGrpSpPr>
-        <p:cNvPr id="1" name=""/>
-        <p:cNvGrpSpPr/>
-        <p:nvPr/>
-      </p:nvGrpSpPr>
-      <p:grpSpPr>
-        <a:xfrm>
-          <a:off x="0" y="0"/>
-          <a:ext cx="0" cy="0"/>
-          <a:chOff x="0" y="0"/>
-          <a:chExt cx="0" cy="0"/>
-        </a:xfrm>
-      </p:grpSpPr>
-      <p:sp>
-        <p:nvSpPr>
-          <p:cNvPr id="2" name="제목 1"/>
-          <p:cNvSpPr>
-            <a:spLocks noGrp="1"/>
-          </p:cNvSpPr>
-          <p:nvPr>
-            <p:ph type="title"/>
-          </p:nvPr>
-        </p:nvSpPr>
-        <p:spPr/>
-        <p:txBody>
-          <a:bodyPr>
-            <a:normAutofit/>
-          </a:bodyPr>
-          <a:lstStyle/>
-          <a:p>
-            <a:r>
-              <a:rPr lang="en-US" altLang="ko-KR" dirty="0" smtClean="0"/>
-              <a:t> </a:t>
-            </a:r>
-            <a:r>
-              <a:rPr lang="ko-KR" altLang="en-US" dirty="0" smtClean="0"/>
-              <a:t>짝수</a:t>
-            </a:r>
-            <a:r>
-              <a:rPr lang="en-US" altLang="ko-KR" dirty="0" smtClean="0"/>
-              <a:t>/</a:t>
-            </a:r>
-            <a:r>
-              <a:rPr lang="ko-KR" altLang="en-US" dirty="0" smtClean="0"/>
-              <a:t>홀수 판정</a:t>
-            </a:r>
-            <a:endParaRPr lang="ko-KR" altLang="en-US" dirty="0"/>
-          </a:p>
-        </p:txBody>
-      </p:sp>
-      <p:sp>
-        <p:nvSpPr>
-          <p:cNvPr id="4" name="슬라이드 번호 개체 틀 3"/>
-          <p:cNvSpPr>
-            <a:spLocks noGrp="1"/>
-          </p:cNvSpPr>
-          <p:nvPr>
-            <p:ph type="sldNum" sz="quarter" idx="12"/>
-          </p:nvPr>
-        </p:nvSpPr>
-        <p:spPr/>
-        <p:txBody>
-          <a:bodyPr/>
-          <a:lstStyle/>
-          <a:p>
-            <a:fld id="{1BDE3FE7-3AEA-4B05-AC5A-802D1816ACF0}" type="slidenum">
-              <a:rPr lang="ko-KR" altLang="en-US" smtClean="0"/>
-              <a:t>17</a:t>
-            </a:fld>
-            <a:endParaRPr lang="ko-KR" altLang="en-US"/>
-          </a:p>
-        </p:txBody>
-      </p:sp>
-    </p:spTree>
-    <p:extLst>
-      <p:ext uri="{BB962C8B-B14F-4D97-AF65-F5344CB8AC3E}">
-        <p14:creationId xmlns:p14="http://schemas.microsoft.com/office/powerpoint/2010/main" val="3521943644"/>
       </p:ext>
     </p:extLst>
   </p:cSld>
@@ -6298,7 +6717,23 @@
             </a:r>
             <a:r>
               <a:rPr lang="ko-KR" altLang="en-US" dirty="0" smtClean="0"/>
-              <a:t> 설정하기 </a:t>
+              <a:t> </a:t>
+            </a:r>
+            <a:r>
+              <a:rPr lang="en-US" altLang="ko-KR" dirty="0" smtClean="0"/>
+              <a:t>– CSS </a:t>
+            </a:r>
+            <a:r>
+              <a:rPr lang="ko-KR" altLang="en-US" dirty="0" smtClean="0"/>
+              <a:t>사용</a:t>
+            </a:r>
+            <a:r>
+              <a:rPr lang="en-US" altLang="ko-KR" dirty="0" smtClean="0"/>
+              <a:t> </a:t>
+            </a:r>
+            <a:r>
+              <a:rPr lang="ko-KR" altLang="en-US" dirty="0" smtClean="0"/>
+              <a:t> </a:t>
             </a:r>
             <a:endParaRPr lang="ko-KR" altLang="en-US" dirty="0"/>
           </a:p>
@@ -6327,355 +6762,34 @@
           </a:p>
         </p:txBody>
       </p:sp>
-      <p:sp>
-        <p:nvSpPr>
-          <p:cNvPr id="5" name="TextBox 4"/>
-          <p:cNvSpPr txBox="1"/>
+      <p:pic>
+        <p:nvPicPr>
+          <p:cNvPr id="3" name="그림 2"/>
+          <p:cNvPicPr>
+            <a:picLocks noChangeAspect="1"/>
+          </p:cNvPicPr>
           <p:nvPr/>
-        </p:nvSpPr>
+        </p:nvPicPr>
+        <p:blipFill>
+          <a:blip r:embed="rId2">
+            <a:extLst>
+              <a:ext uri="{28A0092B-C50C-407E-A947-70E740481C1C}">
+                <a14:useLocalDpi xmlns:a14="http://schemas.microsoft.com/office/drawing/2010/main" val="0"/>
+              </a:ext>
+            </a:extLst>
+          </a:blip>
+          <a:stretch>
+            <a:fillRect/>
+          </a:stretch>
+        </p:blipFill>
         <p:spPr>
           <a:xfrm>
-            <a:off x="992560" y="1211268"/>
-            <a:ext cx="4896544" cy="509178"/>
+            <a:off x="1784648" y="1484784"/>
+            <a:ext cx="5714556" cy="4464496"/>
           </a:xfrm>
           <a:prstGeom prst="rect">
             <a:avLst/>
           </a:prstGeom>
-          <a:ln>
-            <a:noFill/>
-          </a:ln>
-        </p:spPr>
-        <p:style>
-          <a:lnRef idx="2">
-            <a:schemeClr val="dk1"/>
-          </a:lnRef>
-          <a:fillRef idx="1">
-            <a:schemeClr val="lt1"/>
-          </a:fillRef>
-          <a:effectRef idx="0">
-            <a:schemeClr val="dk1"/>
-          </a:effectRef>
-          <a:fontRef idx="minor">
-            <a:schemeClr val="dk1"/>
-          </a:fontRef>
-        </p:style>
-        <p:txBody>
-          <a:bodyPr wrap="square" rtlCol="0">
-            <a:spAutoFit/>
-          </a:bodyPr>
-          <a:lstStyle/>
-          <a:p>
-            <a:pPr marL="342900" indent="-342900">
-              <a:lnSpc>
-                <a:spcPct val="150000"/>
-              </a:lnSpc>
-              <a:buFont typeface="Wingdings" panose="05000000000000000000" pitchFamily="2" charset="2"/>
-              <a:buChar char="l"/>
-            </a:pPr>
-            <a:r>
-              <a:rPr lang="en-US" altLang="ko-KR" sz="2000" dirty="0">
-                <a:latin typeface="휴먼엑스포" panose="02030504000101010101" pitchFamily="18" charset="-127"/>
-                <a:ea typeface="휴먼엑스포" panose="02030504000101010101" pitchFamily="18" charset="-127"/>
-              </a:rPr>
-              <a:t>s</a:t>
-            </a:r>
-            <a:r>
-              <a:rPr lang="en-US" altLang="ko-KR" sz="2000" dirty="0" smtClean="0">
-                <a:latin typeface="휴먼엑스포" panose="02030504000101010101" pitchFamily="18" charset="-127"/>
-                <a:ea typeface="휴먼엑스포" panose="02030504000101010101" pitchFamily="18" charset="-127"/>
-              </a:rPr>
-              <a:t>tatic </a:t>
-            </a:r>
-            <a:r>
-              <a:rPr lang="ko-KR" altLang="en-US" sz="2000" dirty="0" smtClean="0">
-                <a:latin typeface="휴먼엑스포" panose="02030504000101010101" pitchFamily="18" charset="-127"/>
-                <a:ea typeface="휴먼엑스포" panose="02030504000101010101" pitchFamily="18" charset="-127"/>
-              </a:rPr>
-              <a:t>설정하기</a:t>
-            </a:r>
-            <a:endParaRPr lang="en-US" altLang="ko-KR" sz="2000" dirty="0" smtClean="0">
-              <a:latin typeface="휴먼엑스포" panose="02030504000101010101" pitchFamily="18" charset="-127"/>
-              <a:ea typeface="휴먼엑스포" panose="02030504000101010101" pitchFamily="18" charset="-127"/>
-            </a:endParaRPr>
-          </a:p>
-        </p:txBody>
-      </p:sp>
-      <p:sp>
-        <p:nvSpPr>
-          <p:cNvPr id="6" name="TextBox 5"/>
-          <p:cNvSpPr txBox="1"/>
-          <p:nvPr/>
-        </p:nvSpPr>
-        <p:spPr>
-          <a:xfrm>
-            <a:off x="1208584" y="1787332"/>
-            <a:ext cx="6768752" cy="454292"/>
-          </a:xfrm>
-          <a:prstGeom prst="rect">
-            <a:avLst/>
-          </a:prstGeom>
-          <a:noFill/>
-        </p:spPr>
-        <p:txBody>
-          <a:bodyPr wrap="square" rtlCol="0">
-            <a:spAutoFit/>
-          </a:bodyPr>
-          <a:lstStyle/>
-          <a:p>
-            <a:pPr marL="342900" indent="-342900">
-              <a:lnSpc>
-                <a:spcPct val="150000"/>
-              </a:lnSpc>
-              <a:buAutoNum type="arabicPeriod"/>
-            </a:pPr>
-            <a:r>
-              <a:rPr lang="en-US" altLang="ko-KR" dirty="0" smtClean="0"/>
-              <a:t>static </a:t>
-            </a:r>
-            <a:r>
-              <a:rPr lang="ko-KR" altLang="en-US" dirty="0" smtClean="0"/>
-              <a:t>디렉터리를 루트 디렉터리 바로 밑에 만든다</a:t>
-            </a:r>
-            <a:r>
-              <a:rPr lang="en-US" altLang="ko-KR" dirty="0" smtClean="0"/>
-              <a:t>.</a:t>
-            </a:r>
-          </a:p>
-        </p:txBody>
-      </p:sp>
-      <p:sp>
-        <p:nvSpPr>
-          <p:cNvPr id="8" name="TextBox 7"/>
-          <p:cNvSpPr txBox="1"/>
-          <p:nvPr/>
-        </p:nvSpPr>
-        <p:spPr>
-          <a:xfrm>
-            <a:off x="1496616" y="2359620"/>
-            <a:ext cx="5760640" cy="507831"/>
-          </a:xfrm>
-          <a:prstGeom prst="rect">
-            <a:avLst/>
-          </a:prstGeom>
-          <a:solidFill>
-            <a:schemeClr val="bg1">
-              <a:lumMod val="95000"/>
-            </a:schemeClr>
-          </a:solidFill>
-        </p:spPr>
-        <p:txBody>
-          <a:bodyPr wrap="square" rtlCol="0">
-            <a:spAutoFit/>
-          </a:bodyPr>
-          <a:lstStyle/>
-          <a:p>
-            <a:pPr>
-              <a:lnSpc>
-                <a:spcPct val="150000"/>
-              </a:lnSpc>
-            </a:pPr>
-            <a:r>
-              <a:rPr lang="en-US" altLang="ko-KR" dirty="0" smtClean="0">
-                <a:latin typeface="Ebrima" panose="02000000000000000000" pitchFamily="2" charset="0"/>
-                <a:ea typeface="Ebrima" panose="02000000000000000000" pitchFamily="2" charset="0"/>
-                <a:cs typeface="Ebrima" panose="02000000000000000000" pitchFamily="2" charset="0"/>
-              </a:rPr>
-              <a:t>(</a:t>
-            </a:r>
-            <a:r>
-              <a:rPr lang="en-US" altLang="ko-KR" dirty="0" err="1" smtClean="0">
-                <a:latin typeface="Ebrima" panose="02000000000000000000" pitchFamily="2" charset="0"/>
-                <a:ea typeface="Ebrima" panose="02000000000000000000" pitchFamily="2" charset="0"/>
-                <a:cs typeface="Ebrima" panose="02000000000000000000" pitchFamily="2" charset="0"/>
-              </a:rPr>
-              <a:t>mysite</a:t>
-            </a:r>
-            <a:r>
-              <a:rPr lang="en-US" altLang="ko-KR" dirty="0" smtClean="0">
-                <a:latin typeface="Ebrima" panose="02000000000000000000" pitchFamily="2" charset="0"/>
-                <a:ea typeface="Ebrima" panose="02000000000000000000" pitchFamily="2" charset="0"/>
-                <a:cs typeface="Ebrima" panose="02000000000000000000" pitchFamily="2" charset="0"/>
-              </a:rPr>
-              <a:t>) C:\projects\polls&gt;mkdir  static</a:t>
-            </a:r>
-          </a:p>
-        </p:txBody>
-      </p:sp>
-      <p:sp>
-        <p:nvSpPr>
-          <p:cNvPr id="9" name="TextBox 8"/>
-          <p:cNvSpPr txBox="1"/>
-          <p:nvPr/>
-        </p:nvSpPr>
-        <p:spPr>
-          <a:xfrm>
-            <a:off x="1208584" y="2996952"/>
-            <a:ext cx="7776864" cy="1754326"/>
-          </a:xfrm>
-          <a:prstGeom prst="rect">
-            <a:avLst/>
-          </a:prstGeom>
-          <a:noFill/>
-        </p:spPr>
-        <p:txBody>
-          <a:bodyPr wrap="square" rtlCol="0">
-            <a:spAutoFit/>
-          </a:bodyPr>
-          <a:lstStyle/>
-          <a:p>
-            <a:pPr marL="342900" indent="-342900">
-              <a:lnSpc>
-                <a:spcPct val="150000"/>
-              </a:lnSpc>
-              <a:buFont typeface="+mj-lt"/>
-              <a:buAutoNum type="arabicPeriod" startAt="2"/>
-            </a:pPr>
-            <a:r>
-              <a:rPr lang="en-US" altLang="ko-KR" dirty="0" smtClean="0"/>
-              <a:t>static </a:t>
-            </a:r>
-            <a:r>
-              <a:rPr lang="ko-KR" altLang="en-US" dirty="0" smtClean="0"/>
-              <a:t>하위에 </a:t>
-            </a:r>
-            <a:r>
-              <a:rPr lang="en-US" altLang="ko-KR" dirty="0" smtClean="0"/>
-              <a:t>poll </a:t>
-            </a:r>
-            <a:r>
-              <a:rPr lang="ko-KR" altLang="en-US" dirty="0" smtClean="0"/>
-              <a:t>디렉터리를 </a:t>
-            </a:r>
-            <a:r>
-              <a:rPr lang="ko-KR" altLang="en-US" dirty="0" err="1" smtClean="0"/>
-              <a:t>만듬</a:t>
-            </a:r>
-            <a:r>
-              <a:rPr lang="en-US" altLang="ko-KR" dirty="0" smtClean="0"/>
-              <a:t>.</a:t>
-            </a:r>
-          </a:p>
-          <a:p>
-            <a:pPr marL="342900" indent="-342900">
-              <a:lnSpc>
-                <a:spcPct val="150000"/>
-              </a:lnSpc>
-              <a:buFont typeface="+mj-lt"/>
-              <a:buAutoNum type="arabicPeriod" startAt="2"/>
-            </a:pPr>
-            <a:endParaRPr lang="en-US" altLang="ko-KR" dirty="0"/>
-          </a:p>
-          <a:p>
-            <a:pPr marL="342900" indent="-342900">
-              <a:lnSpc>
-                <a:spcPct val="150000"/>
-              </a:lnSpc>
-              <a:buFont typeface="+mj-lt"/>
-              <a:buAutoNum type="arabicPeriod" startAt="2"/>
-            </a:pPr>
-            <a:endParaRPr lang="en-US" altLang="ko-KR" dirty="0" smtClean="0"/>
-          </a:p>
-          <a:p>
-            <a:pPr marL="342900" indent="-342900">
-              <a:lnSpc>
-                <a:spcPct val="150000"/>
-              </a:lnSpc>
-              <a:buFont typeface="+mj-lt"/>
-              <a:buAutoNum type="arabicPeriod" startAt="2"/>
-            </a:pPr>
-            <a:r>
-              <a:rPr lang="ko-KR" altLang="en-US" dirty="0" smtClean="0"/>
-              <a:t>설정파일에 </a:t>
-            </a:r>
-            <a:r>
-              <a:rPr lang="ko-KR" altLang="en-US" dirty="0" err="1" smtClean="0"/>
-              <a:t>스태틱</a:t>
-            </a:r>
-            <a:r>
-              <a:rPr lang="ko-KR" altLang="en-US" dirty="0" smtClean="0"/>
-              <a:t> 디렉터리 위치 추가하기 </a:t>
-            </a:r>
-            <a:r>
-              <a:rPr lang="en-US" altLang="ko-KR" dirty="0" smtClean="0"/>
-              <a:t>- config/setting.py</a:t>
-            </a:r>
-            <a:endParaRPr lang="en-US" altLang="ko-KR" dirty="0"/>
-          </a:p>
-        </p:txBody>
-      </p:sp>
-      <p:sp>
-        <p:nvSpPr>
-          <p:cNvPr id="10" name="TextBox 9"/>
-          <p:cNvSpPr txBox="1"/>
-          <p:nvPr/>
-        </p:nvSpPr>
-        <p:spPr>
-          <a:xfrm>
-            <a:off x="1496616" y="3501008"/>
-            <a:ext cx="5760640" cy="507831"/>
-          </a:xfrm>
-          <a:prstGeom prst="rect">
-            <a:avLst/>
-          </a:prstGeom>
-          <a:solidFill>
-            <a:schemeClr val="bg1">
-              <a:lumMod val="95000"/>
-            </a:schemeClr>
-          </a:solidFill>
-        </p:spPr>
-        <p:txBody>
-          <a:bodyPr wrap="square" rtlCol="0">
-            <a:spAutoFit/>
-          </a:bodyPr>
-          <a:lstStyle/>
-          <a:p>
-            <a:pPr>
-              <a:lnSpc>
-                <a:spcPct val="150000"/>
-              </a:lnSpc>
-            </a:pPr>
-            <a:r>
-              <a:rPr lang="en-US" altLang="ko-KR" dirty="0" smtClean="0">
-                <a:latin typeface="Ebrima" panose="02000000000000000000" pitchFamily="2" charset="0"/>
-                <a:ea typeface="Ebrima" panose="02000000000000000000" pitchFamily="2" charset="0"/>
-                <a:cs typeface="Ebrima" panose="02000000000000000000" pitchFamily="2" charset="0"/>
-              </a:rPr>
-              <a:t>(</a:t>
-            </a:r>
-            <a:r>
-              <a:rPr lang="en-US" altLang="ko-KR" dirty="0" err="1" smtClean="0">
-                <a:latin typeface="Ebrima" panose="02000000000000000000" pitchFamily="2" charset="0"/>
-                <a:ea typeface="Ebrima" panose="02000000000000000000" pitchFamily="2" charset="0"/>
-                <a:cs typeface="Ebrima" panose="02000000000000000000" pitchFamily="2" charset="0"/>
-              </a:rPr>
-              <a:t>mysite</a:t>
-            </a:r>
-            <a:r>
-              <a:rPr lang="en-US" altLang="ko-KR" dirty="0" smtClean="0">
-                <a:latin typeface="Ebrima" panose="02000000000000000000" pitchFamily="2" charset="0"/>
-                <a:ea typeface="Ebrima" panose="02000000000000000000" pitchFamily="2" charset="0"/>
-                <a:cs typeface="Ebrima" panose="02000000000000000000" pitchFamily="2" charset="0"/>
-              </a:rPr>
-              <a:t>) C:\projects\polls\static&gt;mkdir  poll</a:t>
-            </a:r>
-          </a:p>
-        </p:txBody>
-      </p:sp>
-      <p:sp>
-        <p:nvSpPr>
-          <p:cNvPr id="12" name="TextBox 11"/>
-          <p:cNvSpPr txBox="1"/>
-          <p:nvPr/>
-        </p:nvSpPr>
-        <p:spPr>
-          <a:xfrm>
-            <a:off x="1568624" y="4797152"/>
-            <a:ext cx="5544616" cy="1569660"/>
-          </a:xfrm>
-          <a:prstGeom prst="rect">
-            <a:avLst/>
-          </a:prstGeom>
-          <a:noFill/>
           <a:ln>
             <a:solidFill>
               <a:schemeClr val="bg1">
@@ -6684,78 +6798,11 @@
             </a:solidFill>
           </a:ln>
         </p:spPr>
-        <p:txBody>
-          <a:bodyPr wrap="square" rtlCol="0">
-            <a:spAutoFit/>
-          </a:bodyPr>
-          <a:lstStyle/>
-          <a:p>
-            <a:pPr>
-              <a:lnSpc>
-                <a:spcPct val="150000"/>
-              </a:lnSpc>
-            </a:pPr>
-            <a:r>
-              <a:rPr lang="en-US" altLang="ko-KR" sz="1600" dirty="0" smtClean="0"/>
-              <a:t>STATIC_URL = ‘/static/’</a:t>
-            </a:r>
-          </a:p>
-          <a:p>
-            <a:pPr>
-              <a:lnSpc>
-                <a:spcPct val="150000"/>
-              </a:lnSpc>
-            </a:pPr>
-            <a:r>
-              <a:rPr lang="en-US" altLang="ko-KR" sz="1600" b="1" dirty="0" smtClean="0">
-                <a:solidFill>
-                  <a:srgbClr val="C00000"/>
-                </a:solidFill>
-              </a:rPr>
-              <a:t>STATICFILES_DIRS = [</a:t>
-            </a:r>
-          </a:p>
-          <a:p>
-            <a:pPr>
-              <a:lnSpc>
-                <a:spcPct val="150000"/>
-              </a:lnSpc>
-            </a:pPr>
-            <a:r>
-              <a:rPr lang="en-US" altLang="ko-KR" sz="1600" b="1" dirty="0" smtClean="0">
-                <a:solidFill>
-                  <a:srgbClr val="C00000"/>
-                </a:solidFill>
-              </a:rPr>
-              <a:t>    BASE_DIR /  ‘static’</a:t>
-            </a:r>
-            <a:endParaRPr lang="en-US" altLang="ko-KR" sz="1600" b="1" dirty="0">
-              <a:solidFill>
-                <a:srgbClr val="C00000"/>
-              </a:solidFill>
-            </a:endParaRPr>
-          </a:p>
-          <a:p>
-            <a:pPr>
-              <a:lnSpc>
-                <a:spcPct val="150000"/>
-              </a:lnSpc>
-            </a:pPr>
-            <a:r>
-              <a:rPr lang="en-US" altLang="ko-KR" sz="1600" b="1" dirty="0" smtClean="0">
-                <a:solidFill>
-                  <a:srgbClr val="C00000"/>
-                </a:solidFill>
-              </a:rPr>
-              <a:t>]</a:t>
-            </a:r>
-          </a:p>
-        </p:txBody>
-      </p:sp>
+      </p:pic>
     </p:spTree>
     <p:extLst>
       <p:ext uri="{BB962C8B-B14F-4D97-AF65-F5344CB8AC3E}">
-        <p14:creationId xmlns:p14="http://schemas.microsoft.com/office/powerpoint/2010/main" val="4225339422"/>
+        <p14:creationId xmlns:p14="http://schemas.microsoft.com/office/powerpoint/2010/main" val="3570188064"/>
       </p:ext>
     </p:extLst>
   </p:cSld>
@@ -9045,7 +9092,7 @@
       </p:sp>
       <p:pic>
         <p:nvPicPr>
-          <p:cNvPr id="6" name="그림 5"/>
+          <p:cNvPr id="5" name="그림 4"/>
           <p:cNvPicPr>
             <a:picLocks noChangeAspect="1"/>
           </p:cNvPicPr>
@@ -9065,8 +9112,8 @@
         </p:blipFill>
         <p:spPr>
           <a:xfrm>
-            <a:off x="992560" y="1340768"/>
-            <a:ext cx="3612193" cy="2034716"/>
+            <a:off x="776536" y="1556792"/>
+            <a:ext cx="4680520" cy="3648440"/>
           </a:xfrm>
           <a:prstGeom prst="rect">
             <a:avLst/>
@@ -9082,7 +9129,7 @@
       </p:pic>
       <p:pic>
         <p:nvPicPr>
-          <p:cNvPr id="8" name="그림 7"/>
+          <p:cNvPr id="6" name="그림 5"/>
           <p:cNvPicPr>
             <a:picLocks noChangeAspect="1"/>
           </p:cNvPicPr>
@@ -9102,45 +9149,8 @@
         </p:blipFill>
         <p:spPr>
           <a:xfrm>
-            <a:off x="2720752" y="3002023"/>
-            <a:ext cx="4731180" cy="2588113"/>
-          </a:xfrm>
-          <a:prstGeom prst="rect">
-            <a:avLst/>
-          </a:prstGeom>
-          <a:ln>
-            <a:solidFill>
-              <a:schemeClr val="bg1">
-                <a:lumMod val="85000"/>
-              </a:schemeClr>
-            </a:solidFill>
-          </a:ln>
-        </p:spPr>
-      </p:pic>
-      <p:pic>
-        <p:nvPicPr>
-          <p:cNvPr id="9" name="그림 8"/>
-          <p:cNvPicPr>
-            <a:picLocks noChangeAspect="1"/>
-          </p:cNvPicPr>
-          <p:nvPr/>
-        </p:nvPicPr>
-        <p:blipFill>
-          <a:blip r:embed="rId4">
-            <a:extLst>
-              <a:ext uri="{28A0092B-C50C-407E-A947-70E740481C1C}">
-                <a14:useLocalDpi xmlns:a14="http://schemas.microsoft.com/office/drawing/2010/main" val="0"/>
-              </a:ext>
-            </a:extLst>
-          </a:blip>
-          <a:stretch>
-            <a:fillRect/>
-          </a:stretch>
-        </p:blipFill>
-        <p:spPr>
-          <a:xfrm>
-            <a:off x="5662268" y="3722103"/>
-            <a:ext cx="3016824" cy="2499062"/>
+            <a:off x="5025008" y="2924944"/>
+            <a:ext cx="4653676" cy="3096344"/>
           </a:xfrm>
           <a:prstGeom prst="rect">
             <a:avLst/>
@@ -9157,7 +9167,7 @@
     </p:spTree>
     <p:extLst>
       <p:ext uri="{BB962C8B-B14F-4D97-AF65-F5344CB8AC3E}">
-        <p14:creationId xmlns:p14="http://schemas.microsoft.com/office/powerpoint/2010/main" val="3570188064"/>
+        <p14:creationId xmlns:p14="http://schemas.microsoft.com/office/powerpoint/2010/main" val="3010759283"/>
       </p:ext>
     </p:extLst>
   </p:cSld>
@@ -9210,23 +9220,11 @@
           <a:p>
             <a:r>
               <a:rPr lang="en-US" altLang="ko-KR" dirty="0"/>
-              <a:t> </a:t>
-            </a:r>
-            <a:r>
-              <a:rPr lang="en-US" altLang="ko-KR" dirty="0" smtClean="0"/>
-              <a:t>static</a:t>
+              <a:t> static</a:t>
             </a:r>
             <a:r>
               <a:rPr lang="ko-KR" altLang="en-US" dirty="0" smtClean="0"/>
-              <a:t> </a:t>
-            </a:r>
-            <a:r>
-              <a:rPr lang="en-US" altLang="ko-KR" dirty="0" smtClean="0"/>
-              <a:t>– CSS </a:t>
-            </a:r>
-            <a:r>
-              <a:rPr lang="ko-KR" altLang="en-US" dirty="0" smtClean="0"/>
-              <a:t>사용 </a:t>
+              <a:t> 설정하기 </a:t>
             </a:r>
             <a:endParaRPr lang="ko-KR" altLang="en-US" dirty="0"/>
           </a:p>
@@ -9250,6 +9248,556 @@
             <a:fld id="{1BDE3FE7-3AEA-4B05-AC5A-802D1816ACF0}" type="slidenum">
               <a:rPr lang="ko-KR" altLang="en-US" smtClean="0"/>
               <a:t>4</a:t>
+            </a:fld>
+            <a:endParaRPr lang="ko-KR" altLang="en-US"/>
+          </a:p>
+        </p:txBody>
+      </p:sp>
+      <p:sp>
+        <p:nvSpPr>
+          <p:cNvPr id="5" name="TextBox 4"/>
+          <p:cNvSpPr txBox="1"/>
+          <p:nvPr/>
+        </p:nvSpPr>
+        <p:spPr>
+          <a:xfrm>
+            <a:off x="992560" y="1211268"/>
+            <a:ext cx="4896544" cy="509178"/>
+          </a:xfrm>
+          <a:prstGeom prst="rect">
+            <a:avLst/>
+          </a:prstGeom>
+          <a:ln>
+            <a:noFill/>
+          </a:ln>
+        </p:spPr>
+        <p:style>
+          <a:lnRef idx="2">
+            <a:schemeClr val="dk1"/>
+          </a:lnRef>
+          <a:fillRef idx="1">
+            <a:schemeClr val="lt1"/>
+          </a:fillRef>
+          <a:effectRef idx="0">
+            <a:schemeClr val="dk1"/>
+          </a:effectRef>
+          <a:fontRef idx="minor">
+            <a:schemeClr val="dk1"/>
+          </a:fontRef>
+        </p:style>
+        <p:txBody>
+          <a:bodyPr wrap="square" rtlCol="0">
+            <a:spAutoFit/>
+          </a:bodyPr>
+          <a:lstStyle/>
+          <a:p>
+            <a:pPr marL="342900" indent="-342900">
+              <a:lnSpc>
+                <a:spcPct val="150000"/>
+              </a:lnSpc>
+              <a:buFont typeface="Wingdings" panose="05000000000000000000" pitchFamily="2" charset="2"/>
+              <a:buChar char="l"/>
+            </a:pPr>
+            <a:r>
+              <a:rPr lang="en-US" altLang="ko-KR" sz="2000" dirty="0">
+                <a:latin typeface="휴먼엑스포" panose="02030504000101010101" pitchFamily="18" charset="-127"/>
+                <a:ea typeface="휴먼엑스포" panose="02030504000101010101" pitchFamily="18" charset="-127"/>
+              </a:rPr>
+              <a:t>s</a:t>
+            </a:r>
+            <a:r>
+              <a:rPr lang="en-US" altLang="ko-KR" sz="2000" dirty="0" smtClean="0">
+                <a:latin typeface="휴먼엑스포" panose="02030504000101010101" pitchFamily="18" charset="-127"/>
+                <a:ea typeface="휴먼엑스포" panose="02030504000101010101" pitchFamily="18" charset="-127"/>
+              </a:rPr>
+              <a:t>tatic </a:t>
+            </a:r>
+            <a:r>
+              <a:rPr lang="ko-KR" altLang="en-US" sz="2000" dirty="0" smtClean="0">
+                <a:latin typeface="휴먼엑스포" panose="02030504000101010101" pitchFamily="18" charset="-127"/>
+                <a:ea typeface="휴먼엑스포" panose="02030504000101010101" pitchFamily="18" charset="-127"/>
+              </a:rPr>
+              <a:t>설정하기</a:t>
+            </a:r>
+            <a:endParaRPr lang="en-US" altLang="ko-KR" sz="2000" dirty="0" smtClean="0">
+              <a:latin typeface="휴먼엑스포" panose="02030504000101010101" pitchFamily="18" charset="-127"/>
+              <a:ea typeface="휴먼엑스포" panose="02030504000101010101" pitchFamily="18" charset="-127"/>
+            </a:endParaRPr>
+          </a:p>
+        </p:txBody>
+      </p:sp>
+      <p:sp>
+        <p:nvSpPr>
+          <p:cNvPr id="6" name="TextBox 5"/>
+          <p:cNvSpPr txBox="1"/>
+          <p:nvPr/>
+        </p:nvSpPr>
+        <p:spPr>
+          <a:xfrm>
+            <a:off x="1208584" y="1787332"/>
+            <a:ext cx="6768752" cy="454292"/>
+          </a:xfrm>
+          <a:prstGeom prst="rect">
+            <a:avLst/>
+          </a:prstGeom>
+          <a:noFill/>
+        </p:spPr>
+        <p:txBody>
+          <a:bodyPr wrap="square" rtlCol="0">
+            <a:spAutoFit/>
+          </a:bodyPr>
+          <a:lstStyle/>
+          <a:p>
+            <a:pPr marL="342900" indent="-342900">
+              <a:lnSpc>
+                <a:spcPct val="150000"/>
+              </a:lnSpc>
+              <a:buAutoNum type="arabicPeriod"/>
+            </a:pPr>
+            <a:r>
+              <a:rPr lang="en-US" altLang="ko-KR" dirty="0" smtClean="0"/>
+              <a:t>static </a:t>
+            </a:r>
+            <a:r>
+              <a:rPr lang="ko-KR" altLang="en-US" dirty="0" smtClean="0"/>
+              <a:t>디렉터리를 루트 디렉터리 바로 밑에 만든다</a:t>
+            </a:r>
+            <a:r>
+              <a:rPr lang="en-US" altLang="ko-KR" dirty="0" smtClean="0"/>
+              <a:t>.</a:t>
+            </a:r>
+          </a:p>
+        </p:txBody>
+      </p:sp>
+      <p:sp>
+        <p:nvSpPr>
+          <p:cNvPr id="8" name="TextBox 7"/>
+          <p:cNvSpPr txBox="1"/>
+          <p:nvPr/>
+        </p:nvSpPr>
+        <p:spPr>
+          <a:xfrm>
+            <a:off x="1496616" y="2359620"/>
+            <a:ext cx="5760640" cy="507831"/>
+          </a:xfrm>
+          <a:prstGeom prst="rect">
+            <a:avLst/>
+          </a:prstGeom>
+          <a:solidFill>
+            <a:schemeClr val="bg1">
+              <a:lumMod val="95000"/>
+            </a:schemeClr>
+          </a:solidFill>
+        </p:spPr>
+        <p:txBody>
+          <a:bodyPr wrap="square" rtlCol="0">
+            <a:spAutoFit/>
+          </a:bodyPr>
+          <a:lstStyle/>
+          <a:p>
+            <a:pPr>
+              <a:lnSpc>
+                <a:spcPct val="150000"/>
+              </a:lnSpc>
+            </a:pPr>
+            <a:r>
+              <a:rPr lang="en-US" altLang="ko-KR" dirty="0" smtClean="0">
+                <a:latin typeface="Ebrima" panose="02000000000000000000" pitchFamily="2" charset="0"/>
+                <a:ea typeface="Ebrima" panose="02000000000000000000" pitchFamily="2" charset="0"/>
+                <a:cs typeface="Ebrima" panose="02000000000000000000" pitchFamily="2" charset="0"/>
+              </a:rPr>
+              <a:t>(</a:t>
+            </a:r>
+            <a:r>
+              <a:rPr lang="en-US" altLang="ko-KR" dirty="0" err="1" smtClean="0">
+                <a:latin typeface="Ebrima" panose="02000000000000000000" pitchFamily="2" charset="0"/>
+                <a:ea typeface="Ebrima" panose="02000000000000000000" pitchFamily="2" charset="0"/>
+                <a:cs typeface="Ebrima" panose="02000000000000000000" pitchFamily="2" charset="0"/>
+              </a:rPr>
+              <a:t>my</a:t>
+            </a:r>
+            <a:r>
+              <a:rPr lang="en-US" altLang="ko-KR" dirty="0" err="1" smtClean="0">
+                <a:latin typeface="Ebrima" panose="02000000000000000000" pitchFamily="2" charset="0"/>
+                <a:ea typeface="Ebrima" panose="02000000000000000000" pitchFamily="2" charset="0"/>
+                <a:cs typeface="Ebrima" panose="02000000000000000000" pitchFamily="2" charset="0"/>
+              </a:rPr>
+              <a:t>pyweb</a:t>
+            </a:r>
+            <a:r>
+              <a:rPr lang="en-US" altLang="ko-KR" dirty="0" smtClean="0">
+                <a:latin typeface="Ebrima" panose="02000000000000000000" pitchFamily="2" charset="0"/>
+                <a:ea typeface="Ebrima" panose="02000000000000000000" pitchFamily="2" charset="0"/>
+                <a:cs typeface="Ebrima" panose="02000000000000000000" pitchFamily="2" charset="0"/>
+              </a:rPr>
+              <a:t>) </a:t>
+            </a:r>
+            <a:r>
+              <a:rPr lang="en-US" altLang="ko-KR" dirty="0" smtClean="0">
+                <a:latin typeface="Ebrima" panose="02000000000000000000" pitchFamily="2" charset="0"/>
+                <a:ea typeface="Ebrima" panose="02000000000000000000" pitchFamily="2" charset="0"/>
+                <a:cs typeface="Ebrima" panose="02000000000000000000" pitchFamily="2" charset="0"/>
+              </a:rPr>
+              <a:t>C:\projects\polls&gt;mkdir  static</a:t>
+            </a:r>
+          </a:p>
+        </p:txBody>
+      </p:sp>
+      <p:sp>
+        <p:nvSpPr>
+          <p:cNvPr id="9" name="TextBox 8"/>
+          <p:cNvSpPr txBox="1"/>
+          <p:nvPr/>
+        </p:nvSpPr>
+        <p:spPr>
+          <a:xfrm>
+            <a:off x="1208584" y="2996952"/>
+            <a:ext cx="7776864" cy="1754326"/>
+          </a:xfrm>
+          <a:prstGeom prst="rect">
+            <a:avLst/>
+          </a:prstGeom>
+          <a:noFill/>
+        </p:spPr>
+        <p:txBody>
+          <a:bodyPr wrap="square" rtlCol="0">
+            <a:spAutoFit/>
+          </a:bodyPr>
+          <a:lstStyle/>
+          <a:p>
+            <a:pPr marL="342900" indent="-342900">
+              <a:lnSpc>
+                <a:spcPct val="150000"/>
+              </a:lnSpc>
+              <a:buFont typeface="+mj-lt"/>
+              <a:buAutoNum type="arabicPeriod" startAt="2"/>
+            </a:pPr>
+            <a:r>
+              <a:rPr lang="en-US" altLang="ko-KR" dirty="0" smtClean="0"/>
+              <a:t>static </a:t>
+            </a:r>
+            <a:r>
+              <a:rPr lang="ko-KR" altLang="en-US" dirty="0" smtClean="0"/>
+              <a:t>하위에 </a:t>
+            </a:r>
+            <a:r>
+              <a:rPr lang="en-US" altLang="ko-KR" dirty="0" smtClean="0"/>
+              <a:t>poll </a:t>
+            </a:r>
+            <a:r>
+              <a:rPr lang="ko-KR" altLang="en-US" dirty="0" smtClean="0"/>
+              <a:t>디렉터리를 </a:t>
+            </a:r>
+            <a:r>
+              <a:rPr lang="ko-KR" altLang="en-US" dirty="0" err="1" smtClean="0"/>
+              <a:t>만듬</a:t>
+            </a:r>
+            <a:r>
+              <a:rPr lang="en-US" altLang="ko-KR" dirty="0" smtClean="0"/>
+              <a:t>.</a:t>
+            </a:r>
+          </a:p>
+          <a:p>
+            <a:pPr marL="342900" indent="-342900">
+              <a:lnSpc>
+                <a:spcPct val="150000"/>
+              </a:lnSpc>
+              <a:buFont typeface="+mj-lt"/>
+              <a:buAutoNum type="arabicPeriod" startAt="2"/>
+            </a:pPr>
+            <a:endParaRPr lang="en-US" altLang="ko-KR" dirty="0"/>
+          </a:p>
+          <a:p>
+            <a:pPr marL="342900" indent="-342900">
+              <a:lnSpc>
+                <a:spcPct val="150000"/>
+              </a:lnSpc>
+              <a:buFont typeface="+mj-lt"/>
+              <a:buAutoNum type="arabicPeriod" startAt="2"/>
+            </a:pPr>
+            <a:endParaRPr lang="en-US" altLang="ko-KR" dirty="0" smtClean="0"/>
+          </a:p>
+          <a:p>
+            <a:pPr marL="342900" indent="-342900">
+              <a:lnSpc>
+                <a:spcPct val="150000"/>
+              </a:lnSpc>
+              <a:buFont typeface="+mj-lt"/>
+              <a:buAutoNum type="arabicPeriod" startAt="2"/>
+            </a:pPr>
+            <a:r>
+              <a:rPr lang="ko-KR" altLang="en-US" dirty="0" smtClean="0"/>
+              <a:t>설정파일에 </a:t>
+            </a:r>
+            <a:r>
+              <a:rPr lang="ko-KR" altLang="en-US" dirty="0" err="1" smtClean="0"/>
+              <a:t>스태틱</a:t>
+            </a:r>
+            <a:r>
+              <a:rPr lang="ko-KR" altLang="en-US" dirty="0" smtClean="0"/>
+              <a:t> 디렉터리 위치 추가하기 </a:t>
+            </a:r>
+            <a:r>
+              <a:rPr lang="en-US" altLang="ko-KR" dirty="0" smtClean="0"/>
+              <a:t>- config/setting.py</a:t>
+            </a:r>
+            <a:endParaRPr lang="en-US" altLang="ko-KR" dirty="0"/>
+          </a:p>
+        </p:txBody>
+      </p:sp>
+      <p:sp>
+        <p:nvSpPr>
+          <p:cNvPr id="10" name="TextBox 9"/>
+          <p:cNvSpPr txBox="1"/>
+          <p:nvPr/>
+        </p:nvSpPr>
+        <p:spPr>
+          <a:xfrm>
+            <a:off x="1496616" y="3501008"/>
+            <a:ext cx="5760640" cy="507831"/>
+          </a:xfrm>
+          <a:prstGeom prst="rect">
+            <a:avLst/>
+          </a:prstGeom>
+          <a:solidFill>
+            <a:schemeClr val="bg1">
+              <a:lumMod val="95000"/>
+            </a:schemeClr>
+          </a:solidFill>
+        </p:spPr>
+        <p:txBody>
+          <a:bodyPr wrap="square" rtlCol="0">
+            <a:spAutoFit/>
+          </a:bodyPr>
+          <a:lstStyle/>
+          <a:p>
+            <a:pPr>
+              <a:lnSpc>
+                <a:spcPct val="150000"/>
+              </a:lnSpc>
+            </a:pPr>
+            <a:r>
+              <a:rPr lang="en-US" altLang="ko-KR" dirty="0">
+                <a:latin typeface="Ebrima" panose="02000000000000000000" pitchFamily="2" charset="0"/>
+                <a:ea typeface="Ebrima" panose="02000000000000000000" pitchFamily="2" charset="0"/>
+                <a:cs typeface="Ebrima" panose="02000000000000000000" pitchFamily="2" charset="0"/>
+              </a:rPr>
+              <a:t>(</a:t>
+            </a:r>
+            <a:r>
+              <a:rPr lang="en-US" altLang="ko-KR" dirty="0" err="1">
+                <a:latin typeface="Ebrima" panose="02000000000000000000" pitchFamily="2" charset="0"/>
+                <a:ea typeface="Ebrima" panose="02000000000000000000" pitchFamily="2" charset="0"/>
+                <a:cs typeface="Ebrima" panose="02000000000000000000" pitchFamily="2" charset="0"/>
+              </a:rPr>
+              <a:t>mypyweb</a:t>
+            </a:r>
+            <a:r>
+              <a:rPr lang="en-US" altLang="ko-KR" dirty="0">
+                <a:latin typeface="Ebrima" panose="02000000000000000000" pitchFamily="2" charset="0"/>
+                <a:ea typeface="Ebrima" panose="02000000000000000000" pitchFamily="2" charset="0"/>
+                <a:cs typeface="Ebrima" panose="02000000000000000000" pitchFamily="2" charset="0"/>
+              </a:rPr>
+              <a:t>) </a:t>
+            </a:r>
+            <a:r>
+              <a:rPr lang="en-US" altLang="ko-KR" dirty="0" smtClean="0">
+                <a:latin typeface="Ebrima" panose="02000000000000000000" pitchFamily="2" charset="0"/>
+                <a:ea typeface="Ebrima" panose="02000000000000000000" pitchFamily="2" charset="0"/>
+                <a:cs typeface="Ebrima" panose="02000000000000000000" pitchFamily="2" charset="0"/>
+              </a:rPr>
+              <a:t>C:\projects\polls\static&gt;mkdir  poll</a:t>
+            </a:r>
+          </a:p>
+        </p:txBody>
+      </p:sp>
+      <p:sp>
+        <p:nvSpPr>
+          <p:cNvPr id="12" name="TextBox 11"/>
+          <p:cNvSpPr txBox="1"/>
+          <p:nvPr/>
+        </p:nvSpPr>
+        <p:spPr>
+          <a:xfrm>
+            <a:off x="1568624" y="4797152"/>
+            <a:ext cx="5544616" cy="1569660"/>
+          </a:xfrm>
+          <a:prstGeom prst="rect">
+            <a:avLst/>
+          </a:prstGeom>
+          <a:noFill/>
+          <a:ln>
+            <a:solidFill>
+              <a:schemeClr val="bg1">
+                <a:lumMod val="85000"/>
+              </a:schemeClr>
+            </a:solidFill>
+          </a:ln>
+        </p:spPr>
+        <p:txBody>
+          <a:bodyPr wrap="square" rtlCol="0">
+            <a:spAutoFit/>
+          </a:bodyPr>
+          <a:lstStyle/>
+          <a:p>
+            <a:pPr>
+              <a:lnSpc>
+                <a:spcPct val="150000"/>
+              </a:lnSpc>
+            </a:pPr>
+            <a:r>
+              <a:rPr lang="en-US" altLang="ko-KR" sz="1600" dirty="0" smtClean="0"/>
+              <a:t>STATIC_URL = ‘/static/’</a:t>
+            </a:r>
+          </a:p>
+          <a:p>
+            <a:pPr>
+              <a:lnSpc>
+                <a:spcPct val="150000"/>
+              </a:lnSpc>
+            </a:pPr>
+            <a:r>
+              <a:rPr lang="en-US" altLang="ko-KR" sz="1600" b="1" dirty="0" smtClean="0">
+                <a:solidFill>
+                  <a:srgbClr val="C00000"/>
+                </a:solidFill>
+              </a:rPr>
+              <a:t>STATICFILES_DIRS = [</a:t>
+            </a:r>
+          </a:p>
+          <a:p>
+            <a:pPr>
+              <a:lnSpc>
+                <a:spcPct val="150000"/>
+              </a:lnSpc>
+            </a:pPr>
+            <a:r>
+              <a:rPr lang="en-US" altLang="ko-KR" sz="1600" b="1" dirty="0" smtClean="0">
+                <a:solidFill>
+                  <a:srgbClr val="C00000"/>
+                </a:solidFill>
+              </a:rPr>
+              <a:t>    BASE_DIR /  ‘static’</a:t>
+            </a:r>
+            <a:endParaRPr lang="en-US" altLang="ko-KR" sz="1600" b="1" dirty="0">
+              <a:solidFill>
+                <a:srgbClr val="C00000"/>
+              </a:solidFill>
+            </a:endParaRPr>
+          </a:p>
+          <a:p>
+            <a:pPr>
+              <a:lnSpc>
+                <a:spcPct val="150000"/>
+              </a:lnSpc>
+            </a:pPr>
+            <a:r>
+              <a:rPr lang="en-US" altLang="ko-KR" sz="1600" b="1" dirty="0" smtClean="0">
+                <a:solidFill>
+                  <a:srgbClr val="C00000"/>
+                </a:solidFill>
+              </a:rPr>
+              <a:t>]</a:t>
+            </a:r>
+          </a:p>
+        </p:txBody>
+      </p:sp>
+    </p:spTree>
+    <p:extLst>
+      <p:ext uri="{BB962C8B-B14F-4D97-AF65-F5344CB8AC3E}">
+        <p14:creationId xmlns:p14="http://schemas.microsoft.com/office/powerpoint/2010/main" val="4225339422"/>
+      </p:ext>
+    </p:extLst>
+  </p:cSld>
+  <p:clrMapOvr>
+    <a:masterClrMapping/>
+  </p:clrMapOvr>
+  <p:timing>
+    <p:tnLst>
+      <p:par>
+        <p:cTn id="1" dur="indefinite" restart="never" nodeType="tmRoot"/>
+      </p:par>
+    </p:tnLst>
+  </p:timing>
+</p:sld>
+</file>
+
+<file path=ppt/slides/slide5.xml><?xml version="1.0" encoding="utf-8"?>
+<p:sld xmlns:a="http://schemas.openxmlformats.org/drawingml/2006/main" xmlns:r="http://schemas.openxmlformats.org/officeDocument/2006/relationships" xmlns:p="http://schemas.openxmlformats.org/presentationml/2006/main">
+  <p:cSld>
+    <p:spTree>
+      <p:nvGrpSpPr>
+        <p:cNvPr id="1" name=""/>
+        <p:cNvGrpSpPr/>
+        <p:nvPr/>
+      </p:nvGrpSpPr>
+      <p:grpSpPr>
+        <a:xfrm>
+          <a:off x="0" y="0"/>
+          <a:ext cx="0" cy="0"/>
+          <a:chOff x="0" y="0"/>
+          <a:chExt cx="0" cy="0"/>
+        </a:xfrm>
+      </p:grpSpPr>
+      <p:sp>
+        <p:nvSpPr>
+          <p:cNvPr id="2" name="제목 1"/>
+          <p:cNvSpPr>
+            <a:spLocks noGrp="1"/>
+          </p:cNvSpPr>
+          <p:nvPr>
+            <p:ph type="title"/>
+          </p:nvPr>
+        </p:nvSpPr>
+        <p:spPr/>
+        <p:txBody>
+          <a:bodyPr>
+            <a:normAutofit/>
+          </a:bodyPr>
+          <a:lstStyle/>
+          <a:p>
+            <a:r>
+              <a:rPr lang="en-US" altLang="ko-KR" dirty="0"/>
+              <a:t> </a:t>
+            </a:r>
+            <a:r>
+              <a:rPr lang="en-US" altLang="ko-KR" dirty="0" smtClean="0"/>
+              <a:t>static</a:t>
+            </a:r>
+            <a:r>
+              <a:rPr lang="ko-KR" altLang="en-US" dirty="0" smtClean="0"/>
+              <a:t> </a:t>
+            </a:r>
+            <a:r>
+              <a:rPr lang="en-US" altLang="ko-KR" dirty="0" smtClean="0"/>
+              <a:t>– CSS </a:t>
+            </a:r>
+            <a:r>
+              <a:rPr lang="ko-KR" altLang="en-US" dirty="0" smtClean="0"/>
+              <a:t>사용 </a:t>
+            </a:r>
+            <a:endParaRPr lang="ko-KR" altLang="en-US" dirty="0"/>
+          </a:p>
+        </p:txBody>
+      </p:sp>
+      <p:sp>
+        <p:nvSpPr>
+          <p:cNvPr id="4" name="슬라이드 번호 개체 틀 3"/>
+          <p:cNvSpPr>
+            <a:spLocks noGrp="1"/>
+          </p:cNvSpPr>
+          <p:nvPr>
+            <p:ph type="sldNum" sz="quarter" idx="12"/>
+          </p:nvPr>
+        </p:nvSpPr>
+        <p:spPr/>
+        <p:txBody>
+          <a:bodyPr/>
+          <a:lstStyle/>
+          <a:p>
+            <a:fld id="{1BDE3FE7-3AEA-4B05-AC5A-802D1816ACF0}" type="slidenum">
+              <a:rPr lang="ko-KR" altLang="en-US" smtClean="0"/>
+              <a:t>5</a:t>
             </a:fld>
             <a:endParaRPr lang="ko-KR" altLang="en-US"/>
           </a:p>
@@ -9319,7 +9867,7 @@
         <p:spPr>
           <a:xfrm>
             <a:off x="1280592" y="1628800"/>
-            <a:ext cx="5776462" cy="400110"/>
+            <a:ext cx="6336704" cy="400110"/>
           </a:xfrm>
           <a:prstGeom prst="rect">
             <a:avLst/>
@@ -9353,7 +9901,23 @@
             </a:r>
             <a:r>
               <a:rPr lang="ko-KR" altLang="en-US" sz="2000" dirty="0" smtClean="0"/>
-              <a:t>문서 맨 위에 명시함</a:t>
+              <a:t>문서 </a:t>
+            </a:r>
+            <a:r>
+              <a:rPr lang="ko-KR" altLang="en-US" sz="2000" dirty="0" smtClean="0"/>
+              <a:t>위쪽에 명시해야 함</a:t>
+            </a:r>
+            <a:r>
+              <a:rPr lang="en-US" altLang="ko-KR" sz="2000" dirty="0" smtClean="0"/>
+              <a:t>(</a:t>
+            </a:r>
+            <a:r>
+              <a:rPr lang="ko-KR" altLang="en-US" sz="2000" dirty="0" smtClean="0"/>
+              <a:t>필수</a:t>
+            </a:r>
+            <a:r>
+              <a:rPr lang="en-US" altLang="ko-KR" sz="2000" dirty="0"/>
+              <a:t>)</a:t>
             </a:r>
             <a:endParaRPr lang="ko-KR" altLang="en-US" sz="2000" dirty="0"/>
           </a:p>
@@ -9430,7 +9994,7 @@
       </p:sp>
       <p:pic>
         <p:nvPicPr>
-          <p:cNvPr id="10" name="그림 9"/>
+          <p:cNvPr id="7" name="그림 6"/>
           <p:cNvPicPr>
             <a:picLocks noChangeAspect="1"/>
           </p:cNvPicPr>
@@ -9450,8 +10014,45 @@
         </p:blipFill>
         <p:spPr>
           <a:xfrm>
-            <a:off x="1064568" y="2669973"/>
-            <a:ext cx="7939962" cy="2487217"/>
+            <a:off x="1568624" y="3960093"/>
+            <a:ext cx="6840760" cy="2102181"/>
+          </a:xfrm>
+          <a:prstGeom prst="rect">
+            <a:avLst/>
+          </a:prstGeom>
+          <a:ln>
+            <a:solidFill>
+              <a:schemeClr val="bg1">
+                <a:lumMod val="85000"/>
+              </a:schemeClr>
+            </a:solidFill>
+          </a:ln>
+        </p:spPr>
+      </p:pic>
+      <p:pic>
+        <p:nvPicPr>
+          <p:cNvPr id="3" name="그림 2"/>
+          <p:cNvPicPr>
+            <a:picLocks noChangeAspect="1"/>
+          </p:cNvPicPr>
+          <p:nvPr/>
+        </p:nvPicPr>
+        <p:blipFill>
+          <a:blip r:embed="rId3">
+            <a:extLst>
+              <a:ext uri="{28A0092B-C50C-407E-A947-70E740481C1C}">
+                <a14:useLocalDpi xmlns:a14="http://schemas.microsoft.com/office/drawing/2010/main" val="0"/>
+              </a:ext>
+            </a:extLst>
+          </a:blip>
+          <a:stretch>
+            <a:fillRect/>
+          </a:stretch>
+        </p:blipFill>
+        <p:spPr>
+          <a:xfrm>
+            <a:off x="5385048" y="2620187"/>
+            <a:ext cx="1920406" cy="2667231"/>
           </a:xfrm>
           <a:prstGeom prst="rect">
             <a:avLst/>
@@ -9485,7 +10086,7 @@
 </p:sld>
 </file>
 
-<file path=ppt/slides/slide5.xml><?xml version="1.0" encoding="utf-8"?>
+<file path=ppt/slides/slide6.xml><?xml version="1.0" encoding="utf-8"?>
 <p:sld xmlns:a="http://schemas.openxmlformats.org/drawingml/2006/main" xmlns:r="http://schemas.openxmlformats.org/officeDocument/2006/relationships" xmlns:p="http://schemas.openxmlformats.org/presentationml/2006/main">
   <p:cSld>
     <p:spTree>
@@ -9555,12 +10156,49 @@
           <a:p>
             <a:fld id="{1BDE3FE7-3AEA-4B05-AC5A-802D1816ACF0}" type="slidenum">
               <a:rPr lang="ko-KR" altLang="en-US" smtClean="0"/>
-              <a:t>5</a:t>
+              <a:t>6</a:t>
             </a:fld>
             <a:endParaRPr lang="ko-KR" altLang="en-US"/>
           </a:p>
         </p:txBody>
       </p:sp>
+      <p:pic>
+        <p:nvPicPr>
+          <p:cNvPr id="3" name="그림 2"/>
+          <p:cNvPicPr>
+            <a:picLocks noChangeAspect="1"/>
+          </p:cNvPicPr>
+          <p:nvPr/>
+        </p:nvPicPr>
+        <p:blipFill>
+          <a:blip r:embed="rId2">
+            <a:extLst>
+              <a:ext uri="{28A0092B-C50C-407E-A947-70E740481C1C}">
+                <a14:useLocalDpi xmlns:a14="http://schemas.microsoft.com/office/drawing/2010/main" val="0"/>
+              </a:ext>
+            </a:extLst>
+          </a:blip>
+          <a:stretch>
+            <a:fillRect/>
+          </a:stretch>
+        </p:blipFill>
+        <p:spPr>
+          <a:xfrm>
+            <a:off x="997639" y="1556792"/>
+            <a:ext cx="7359783" cy="4824536"/>
+          </a:xfrm>
+          <a:prstGeom prst="rect">
+            <a:avLst/>
+          </a:prstGeom>
+          <a:ln>
+            <a:solidFill>
+              <a:schemeClr val="bg1">
+                <a:lumMod val="85000"/>
+              </a:schemeClr>
+            </a:solidFill>
+          </a:ln>
+        </p:spPr>
+      </p:pic>
       <p:sp>
         <p:nvSpPr>
           <p:cNvPr id="5" name="TextBox 4"/>
@@ -9569,8 +10207,8 @@
         </p:nvSpPr>
         <p:spPr>
           <a:xfrm>
-            <a:off x="992560" y="1139260"/>
-            <a:ext cx="4896544" cy="509178"/>
+            <a:off x="6773383" y="1554723"/>
+            <a:ext cx="1852025" cy="507831"/>
           </a:xfrm>
           <a:prstGeom prst="rect">
             <a:avLst/>
@@ -9599,15 +10237,13 @@
           </a:bodyPr>
           <a:lstStyle/>
           <a:p>
-            <a:pPr marL="342900" indent="-342900">
+            <a:pPr>
               <a:lnSpc>
                 <a:spcPct val="150000"/>
               </a:lnSpc>
-              <a:buFont typeface="Wingdings" panose="05000000000000000000" pitchFamily="2" charset="2"/>
-              <a:buChar char="l"/>
             </a:pPr>
             <a:r>
-              <a:rPr lang="en-US" altLang="ko-KR" sz="2000" dirty="0" smtClean="0">
+              <a:rPr lang="en-US" altLang="ko-KR" dirty="0" smtClean="0">
                 <a:latin typeface="휴먼엑스포" panose="02030504000101010101" pitchFamily="18" charset="-127"/>
                 <a:ea typeface="휴먼엑스포" panose="02030504000101010101" pitchFamily="18" charset="-127"/>
               </a:rPr>
@@ -9616,242 +10252,10 @@
           </a:p>
         </p:txBody>
       </p:sp>
-      <p:pic>
-        <p:nvPicPr>
-          <p:cNvPr id="9" name="그림 8"/>
-          <p:cNvPicPr>
-            <a:picLocks noChangeAspect="1"/>
-          </p:cNvPicPr>
-          <p:nvPr/>
-        </p:nvPicPr>
-        <p:blipFill>
-          <a:blip r:embed="rId2">
-            <a:extLst>
-              <a:ext uri="{28A0092B-C50C-407E-A947-70E740481C1C}">
-                <a14:useLocalDpi xmlns:a14="http://schemas.microsoft.com/office/drawing/2010/main" val="0"/>
-              </a:ext>
-            </a:extLst>
-          </a:blip>
-          <a:stretch>
-            <a:fillRect/>
-          </a:stretch>
-        </p:blipFill>
-        <p:spPr>
-          <a:xfrm>
-            <a:off x="1280592" y="1648438"/>
-            <a:ext cx="7308214" cy="4953430"/>
-          </a:xfrm>
-          <a:prstGeom prst="rect">
-            <a:avLst/>
-          </a:prstGeom>
-          <a:ln>
-            <a:solidFill>
-              <a:schemeClr val="bg1">
-                <a:lumMod val="85000"/>
-              </a:schemeClr>
-            </a:solidFill>
-          </a:ln>
-        </p:spPr>
-      </p:pic>
     </p:spTree>
     <p:extLst>
       <p:ext uri="{BB962C8B-B14F-4D97-AF65-F5344CB8AC3E}">
         <p14:creationId xmlns:p14="http://schemas.microsoft.com/office/powerpoint/2010/main" val="1543028102"/>
-      </p:ext>
-    </p:extLst>
-  </p:cSld>
-  <p:clrMapOvr>
-    <a:masterClrMapping/>
-  </p:clrMapOvr>
-  <p:timing>
-    <p:tnLst>
-      <p:par>
-        <p:cTn id="1" dur="indefinite" restart="never" nodeType="tmRoot"/>
-      </p:par>
-    </p:tnLst>
-  </p:timing>
-</p:sld>
-</file>
-
-<file path=ppt/slides/slide6.xml><?xml version="1.0" encoding="utf-8"?>
-<p:sld xmlns:a="http://schemas.openxmlformats.org/drawingml/2006/main" xmlns:r="http://schemas.openxmlformats.org/officeDocument/2006/relationships" xmlns:p="http://schemas.openxmlformats.org/presentationml/2006/main">
-  <p:cSld>
-    <p:spTree>
-      <p:nvGrpSpPr>
-        <p:cNvPr id="1" name=""/>
-        <p:cNvGrpSpPr/>
-        <p:nvPr/>
-      </p:nvGrpSpPr>
-      <p:grpSpPr>
-        <a:xfrm>
-          <a:off x="0" y="0"/>
-          <a:ext cx="0" cy="0"/>
-          <a:chOff x="0" y="0"/>
-          <a:chExt cx="0" cy="0"/>
-        </a:xfrm>
-      </p:grpSpPr>
-      <p:sp>
-        <p:nvSpPr>
-          <p:cNvPr id="2" name="제목 1"/>
-          <p:cNvSpPr>
-            <a:spLocks noGrp="1"/>
-          </p:cNvSpPr>
-          <p:nvPr>
-            <p:ph type="title"/>
-          </p:nvPr>
-        </p:nvSpPr>
-        <p:spPr/>
-        <p:txBody>
-          <a:bodyPr>
-            <a:normAutofit/>
-          </a:bodyPr>
-          <a:lstStyle/>
-          <a:p>
-            <a:r>
-              <a:rPr lang="en-US" altLang="ko-KR" dirty="0"/>
-              <a:t> static</a:t>
-            </a:r>
-            <a:r>
-              <a:rPr lang="ko-KR" altLang="en-US" dirty="0" smtClean="0"/>
-              <a:t> </a:t>
-            </a:r>
-            <a:r>
-              <a:rPr lang="en-US" altLang="ko-KR" dirty="0" smtClean="0"/>
-              <a:t>– CSS </a:t>
-            </a:r>
-            <a:r>
-              <a:rPr lang="ko-KR" altLang="en-US" dirty="0"/>
-              <a:t>사용</a:t>
-            </a:r>
-          </a:p>
-        </p:txBody>
-      </p:sp>
-      <p:sp>
-        <p:nvSpPr>
-          <p:cNvPr id="4" name="슬라이드 번호 개체 틀 3"/>
-          <p:cNvSpPr>
-            <a:spLocks noGrp="1"/>
-          </p:cNvSpPr>
-          <p:nvPr>
-            <p:ph type="sldNum" sz="quarter" idx="12"/>
-          </p:nvPr>
-        </p:nvSpPr>
-        <p:spPr/>
-        <p:txBody>
-          <a:bodyPr/>
-          <a:lstStyle/>
-          <a:p>
-            <a:fld id="{1BDE3FE7-3AEA-4B05-AC5A-802D1816ACF0}" type="slidenum">
-              <a:rPr lang="ko-KR" altLang="en-US" smtClean="0"/>
-              <a:t>6</a:t>
-            </a:fld>
-            <a:endParaRPr lang="ko-KR" altLang="en-US"/>
-          </a:p>
-        </p:txBody>
-      </p:sp>
-      <p:sp>
-        <p:nvSpPr>
-          <p:cNvPr id="5" name="TextBox 4"/>
-          <p:cNvSpPr txBox="1"/>
-          <p:nvPr/>
-        </p:nvSpPr>
-        <p:spPr>
-          <a:xfrm>
-            <a:off x="992560" y="1211268"/>
-            <a:ext cx="4896544" cy="509178"/>
-          </a:xfrm>
-          <a:prstGeom prst="rect">
-            <a:avLst/>
-          </a:prstGeom>
-          <a:ln>
-            <a:noFill/>
-          </a:ln>
-        </p:spPr>
-        <p:style>
-          <a:lnRef idx="2">
-            <a:schemeClr val="dk1"/>
-          </a:lnRef>
-          <a:fillRef idx="1">
-            <a:schemeClr val="lt1"/>
-          </a:fillRef>
-          <a:effectRef idx="0">
-            <a:schemeClr val="dk1"/>
-          </a:effectRef>
-          <a:fontRef idx="minor">
-            <a:schemeClr val="dk1"/>
-          </a:fontRef>
-        </p:style>
-        <p:txBody>
-          <a:bodyPr wrap="square" rtlCol="0">
-            <a:spAutoFit/>
-          </a:bodyPr>
-          <a:lstStyle/>
-          <a:p>
-            <a:pPr marL="342900" indent="-342900">
-              <a:lnSpc>
-                <a:spcPct val="150000"/>
-              </a:lnSpc>
-              <a:buFont typeface="Wingdings" panose="05000000000000000000" pitchFamily="2" charset="2"/>
-              <a:buChar char="l"/>
-            </a:pPr>
-            <a:r>
-              <a:rPr lang="en-US" altLang="ko-KR" sz="2000" dirty="0">
-                <a:latin typeface="휴먼엑스포" panose="02030504000101010101" pitchFamily="18" charset="-127"/>
-                <a:ea typeface="휴먼엑스포" panose="02030504000101010101" pitchFamily="18" charset="-127"/>
-              </a:rPr>
-              <a:t>d</a:t>
-            </a:r>
-            <a:r>
-              <a:rPr lang="en-US" altLang="ko-KR" sz="2000" dirty="0" smtClean="0">
-                <a:latin typeface="휴먼엑스포" panose="02030504000101010101" pitchFamily="18" charset="-127"/>
-                <a:ea typeface="휴먼엑스포" panose="02030504000101010101" pitchFamily="18" charset="-127"/>
-              </a:rPr>
-              <a:t>etail.html</a:t>
-            </a:r>
-          </a:p>
-        </p:txBody>
-      </p:sp>
-      <p:pic>
-        <p:nvPicPr>
-          <p:cNvPr id="9" name="그림 8"/>
-          <p:cNvPicPr>
-            <a:picLocks noChangeAspect="1"/>
-          </p:cNvPicPr>
-          <p:nvPr/>
-        </p:nvPicPr>
-        <p:blipFill>
-          <a:blip r:embed="rId2">
-            <a:extLst>
-              <a:ext uri="{28A0092B-C50C-407E-A947-70E740481C1C}">
-                <a14:useLocalDpi xmlns:a14="http://schemas.microsoft.com/office/drawing/2010/main" val="0"/>
-              </a:ext>
-            </a:extLst>
-          </a:blip>
-          <a:stretch>
-            <a:fillRect/>
-          </a:stretch>
-        </p:blipFill>
-        <p:spPr>
-          <a:xfrm>
-            <a:off x="848544" y="1844824"/>
-            <a:ext cx="8237934" cy="3543607"/>
-          </a:xfrm>
-          <a:prstGeom prst="rect">
-            <a:avLst/>
-          </a:prstGeom>
-          <a:ln>
-            <a:solidFill>
-              <a:schemeClr val="bg1">
-                <a:lumMod val="85000"/>
-              </a:schemeClr>
-            </a:solidFill>
-          </a:ln>
-        </p:spPr>
-      </p:pic>
-    </p:spTree>
-    <p:extLst>
-      <p:ext uri="{BB962C8B-B14F-4D97-AF65-F5344CB8AC3E}">
-        <p14:creationId xmlns:p14="http://schemas.microsoft.com/office/powerpoint/2010/main" val="1975657146"/>
       </p:ext>
     </p:extLst>
   </p:cSld>
@@ -9944,16 +10348,53 @@
           </a:p>
         </p:txBody>
       </p:sp>
-      <p:sp>
-        <p:nvSpPr>
-          <p:cNvPr id="8" name="TextBox 7"/>
+      <p:pic>
+        <p:nvPicPr>
+          <p:cNvPr id="3" name="그림 2"/>
+          <p:cNvPicPr>
+            <a:picLocks noChangeAspect="1"/>
+          </p:cNvPicPr>
+          <p:nvPr/>
+        </p:nvPicPr>
+        <p:blipFill>
+          <a:blip r:embed="rId2">
+            <a:extLst>
+              <a:ext uri="{28A0092B-C50C-407E-A947-70E740481C1C}">
+                <a14:useLocalDpi xmlns:a14="http://schemas.microsoft.com/office/drawing/2010/main" val="0"/>
+              </a:ext>
+            </a:extLst>
+          </a:blip>
+          <a:stretch>
+            <a:fillRect/>
+          </a:stretch>
+        </p:blipFill>
+        <p:spPr>
+          <a:xfrm>
+            <a:off x="1064568" y="1278200"/>
+            <a:ext cx="7496499" cy="5147551"/>
+          </a:xfrm>
+          <a:prstGeom prst="rect">
+            <a:avLst/>
+          </a:prstGeom>
+          <a:ln>
+            <a:solidFill>
+              <a:schemeClr val="bg1">
+                <a:lumMod val="85000"/>
+              </a:schemeClr>
+            </a:solidFill>
+          </a:ln>
+        </p:spPr>
+      </p:pic>
+      <p:sp>
+        <p:nvSpPr>
+          <p:cNvPr id="5" name="TextBox 4"/>
           <p:cNvSpPr txBox="1"/>
           <p:nvPr/>
         </p:nvSpPr>
         <p:spPr>
           <a:xfrm>
-            <a:off x="992560" y="1124744"/>
-            <a:ext cx="4896544" cy="509178"/>
+            <a:off x="7401272" y="1308727"/>
+            <a:ext cx="1656184" cy="507831"/>
           </a:xfrm>
           <a:prstGeom prst="rect">
             <a:avLst/>
@@ -9982,71 +10423,32 @@
           </a:bodyPr>
           <a:lstStyle/>
           <a:p>
-            <a:pPr marL="342900" indent="-342900">
+            <a:pPr>
               <a:lnSpc>
                 <a:spcPct val="150000"/>
               </a:lnSpc>
-              <a:buFont typeface="Wingdings" panose="05000000000000000000" pitchFamily="2" charset="2"/>
-              <a:buChar char="l"/>
             </a:pPr>
             <a:r>
-              <a:rPr lang="en-US" altLang="ko-KR" sz="2000" dirty="0">
+              <a:rPr lang="en-US" altLang="ko-KR" dirty="0">
                 <a:latin typeface="휴먼엑스포" panose="02030504000101010101" pitchFamily="18" charset="-127"/>
                 <a:ea typeface="휴먼엑스포" panose="02030504000101010101" pitchFamily="18" charset="-127"/>
               </a:rPr>
-              <a:t>r</a:t>
-            </a:r>
-            <a:r>
-              <a:rPr lang="en-US" altLang="ko-KR" sz="2000" dirty="0" smtClean="0">
+              <a:t>d</a:t>
+            </a:r>
+            <a:r>
+              <a:rPr lang="en-US" altLang="ko-KR" dirty="0" smtClean="0">
                 <a:latin typeface="휴먼엑스포" panose="02030504000101010101" pitchFamily="18" charset="-127"/>
                 <a:ea typeface="휴먼엑스포" panose="02030504000101010101" pitchFamily="18" charset="-127"/>
               </a:rPr>
-              <a:t>esult.html</a:t>
-            </a:r>
-          </a:p>
-        </p:txBody>
-      </p:sp>
-      <p:pic>
-        <p:nvPicPr>
-          <p:cNvPr id="10" name="그림 9"/>
-          <p:cNvPicPr>
-            <a:picLocks noChangeAspect="1"/>
-          </p:cNvPicPr>
-          <p:nvPr/>
-        </p:nvPicPr>
-        <p:blipFill>
-          <a:blip r:embed="rId2">
-            <a:extLst>
-              <a:ext uri="{28A0092B-C50C-407E-A947-70E740481C1C}">
-                <a14:useLocalDpi xmlns:a14="http://schemas.microsoft.com/office/drawing/2010/main" val="0"/>
-              </a:ext>
-            </a:extLst>
-          </a:blip>
-          <a:stretch>
-            <a:fillRect/>
-          </a:stretch>
-        </p:blipFill>
-        <p:spPr>
-          <a:xfrm>
-            <a:off x="1118996" y="1746447"/>
-            <a:ext cx="7813505" cy="3986809"/>
-          </a:xfrm>
-          <a:prstGeom prst="rect">
-            <a:avLst/>
-          </a:prstGeom>
-          <a:ln>
-            <a:solidFill>
-              <a:schemeClr val="bg1">
-                <a:lumMod val="85000"/>
-              </a:schemeClr>
-            </a:solidFill>
-          </a:ln>
-        </p:spPr>
-      </p:pic>
+              <a:t>etail.html</a:t>
+            </a:r>
+          </a:p>
+        </p:txBody>
+      </p:sp>
     </p:spTree>
     <p:extLst>
       <p:ext uri="{BB962C8B-B14F-4D97-AF65-F5344CB8AC3E}">
-        <p14:creationId xmlns:p14="http://schemas.microsoft.com/office/powerpoint/2010/main" val="3642813987"/>
+        <p14:creationId xmlns:p14="http://schemas.microsoft.com/office/powerpoint/2010/main" val="1975657146"/>
       </p:ext>
     </p:extLst>
   </p:cSld>
@@ -10099,17 +10501,20 @@
           <a:p>
             <a:r>
               <a:rPr lang="en-US" altLang="ko-KR" dirty="0"/>
-              <a:t> </a:t>
-            </a:r>
-            <a:r>
-              <a:rPr lang="en-US" altLang="ko-KR" dirty="0" smtClean="0"/>
-              <a:t>style.css</a:t>
+              <a:t> static</a:t>
             </a:r>
             <a:r>
               <a:rPr lang="ko-KR" altLang="en-US" dirty="0" smtClean="0"/>
               <a:t> </a:t>
             </a:r>
-            <a:endParaRPr lang="ko-KR" altLang="en-US" dirty="0"/>
+            <a:r>
+              <a:rPr lang="en-US" altLang="ko-KR" dirty="0" smtClean="0"/>
+              <a:t>– CSS </a:t>
+            </a:r>
+            <a:r>
+              <a:rPr lang="ko-KR" altLang="en-US" dirty="0"/>
+              <a:t>사용</a:t>
+            </a:r>
           </a:p>
         </p:txBody>
       </p:sp>
@@ -10136,16 +10541,53 @@
           </a:p>
         </p:txBody>
       </p:sp>
-      <p:sp>
-        <p:nvSpPr>
-          <p:cNvPr id="5" name="TextBox 4"/>
+      <p:pic>
+        <p:nvPicPr>
+          <p:cNvPr id="3" name="그림 2"/>
+          <p:cNvPicPr>
+            <a:picLocks noChangeAspect="1"/>
+          </p:cNvPicPr>
+          <p:nvPr/>
+        </p:nvPicPr>
+        <p:blipFill>
+          <a:blip r:embed="rId2">
+            <a:extLst>
+              <a:ext uri="{28A0092B-C50C-407E-A947-70E740481C1C}">
+                <a14:useLocalDpi xmlns:a14="http://schemas.microsoft.com/office/drawing/2010/main" val="0"/>
+              </a:ext>
+            </a:extLst>
+          </a:blip>
+          <a:stretch>
+            <a:fillRect/>
+          </a:stretch>
+        </p:blipFill>
+        <p:spPr>
+          <a:xfrm>
+            <a:off x="920552" y="1412776"/>
+            <a:ext cx="7742591" cy="4435224"/>
+          </a:xfrm>
+          <a:prstGeom prst="rect">
+            <a:avLst/>
+          </a:prstGeom>
+          <a:ln>
+            <a:solidFill>
+              <a:schemeClr val="bg1">
+                <a:lumMod val="85000"/>
+              </a:schemeClr>
+            </a:solidFill>
+          </a:ln>
+        </p:spPr>
+      </p:pic>
+      <p:sp>
+        <p:nvSpPr>
+          <p:cNvPr id="8" name="TextBox 7"/>
           <p:cNvSpPr txBox="1"/>
           <p:nvPr/>
         </p:nvSpPr>
         <p:spPr>
           <a:xfrm>
-            <a:off x="992560" y="1211268"/>
-            <a:ext cx="4896544" cy="509178"/>
+            <a:off x="7610500" y="1988840"/>
+            <a:ext cx="1800200" cy="507831"/>
           </a:xfrm>
           <a:prstGeom prst="rect">
             <a:avLst/>
@@ -10174,71 +10616,32 @@
           </a:bodyPr>
           <a:lstStyle/>
           <a:p>
-            <a:pPr marL="342900" indent="-342900">
+            <a:pPr>
               <a:lnSpc>
                 <a:spcPct val="150000"/>
               </a:lnSpc>
-              <a:buFont typeface="Wingdings" panose="05000000000000000000" pitchFamily="2" charset="2"/>
-              <a:buChar char="l"/>
             </a:pPr>
             <a:r>
-              <a:rPr lang="en-US" altLang="ko-KR" sz="2000" dirty="0">
+              <a:rPr lang="en-US" altLang="ko-KR" dirty="0">
                 <a:latin typeface="휴먼엑스포" panose="02030504000101010101" pitchFamily="18" charset="-127"/>
                 <a:ea typeface="휴먼엑스포" panose="02030504000101010101" pitchFamily="18" charset="-127"/>
               </a:rPr>
-              <a:t>s</a:t>
-            </a:r>
-            <a:r>
-              <a:rPr lang="en-US" altLang="ko-KR" sz="2000" dirty="0" smtClean="0">
+              <a:t>r</a:t>
+            </a:r>
+            <a:r>
+              <a:rPr lang="en-US" altLang="ko-KR" dirty="0" smtClean="0">
                 <a:latin typeface="휴먼엑스포" panose="02030504000101010101" pitchFamily="18" charset="-127"/>
                 <a:ea typeface="휴먼엑스포" panose="02030504000101010101" pitchFamily="18" charset="-127"/>
               </a:rPr>
-              <a:t>tyle.css</a:t>
-            </a:r>
-          </a:p>
-        </p:txBody>
-      </p:sp>
-      <p:pic>
-        <p:nvPicPr>
-          <p:cNvPr id="6" name="그림 5"/>
-          <p:cNvPicPr>
-            <a:picLocks noChangeAspect="1"/>
-          </p:cNvPicPr>
-          <p:nvPr/>
-        </p:nvPicPr>
-        <p:blipFill>
-          <a:blip r:embed="rId2">
-            <a:extLst>
-              <a:ext uri="{28A0092B-C50C-407E-A947-70E740481C1C}">
-                <a14:useLocalDpi xmlns:a14="http://schemas.microsoft.com/office/drawing/2010/main" val="0"/>
-              </a:ext>
-            </a:extLst>
-          </a:blip>
-          <a:stretch>
-            <a:fillRect/>
-          </a:stretch>
-        </p:blipFill>
-        <p:spPr>
-          <a:xfrm>
-            <a:off x="1424608" y="1854624"/>
-            <a:ext cx="6951118" cy="3302568"/>
-          </a:xfrm>
-          <a:prstGeom prst="rect">
-            <a:avLst/>
-          </a:prstGeom>
-          <a:ln>
-            <a:solidFill>
-              <a:schemeClr val="bg1">
-                <a:lumMod val="85000"/>
-              </a:schemeClr>
-            </a:solidFill>
-          </a:ln>
-        </p:spPr>
-      </p:pic>
+              <a:t>esult.html</a:t>
+            </a:r>
+          </a:p>
+        </p:txBody>
+      </p:sp>
     </p:spTree>
     <p:extLst>
       <p:ext uri="{BB962C8B-B14F-4D97-AF65-F5344CB8AC3E}">
-        <p14:creationId xmlns:p14="http://schemas.microsoft.com/office/powerpoint/2010/main" val="1809378397"/>
+        <p14:creationId xmlns:p14="http://schemas.microsoft.com/office/powerpoint/2010/main" val="3642813987"/>
       </p:ext>
     </p:extLst>
   </p:cSld>
@@ -10290,16 +10693,16 @@
           <a:lstStyle/>
           <a:p>
             <a:r>
+              <a:rPr lang="en-US" altLang="ko-KR" dirty="0"/>
+              <a:t> </a:t>
+            </a:r>
+            <a:r>
               <a:rPr lang="en-US" altLang="ko-KR" dirty="0" smtClean="0"/>
-              <a:t> control </a:t>
-            </a:r>
-            <a:r>
-              <a:rPr lang="ko-KR" altLang="en-US" dirty="0" err="1" smtClean="0"/>
-              <a:t>앱</a:t>
+              <a:t>style.css</a:t>
             </a:r>
             <a:r>
               <a:rPr lang="ko-KR" altLang="en-US" dirty="0" smtClean="0"/>
-              <a:t> 생성하기</a:t>
+              <a:t> </a:t>
             </a:r>
             <a:endParaRPr lang="ko-KR" altLang="en-US" dirty="0"/>
           </a:p>
@@ -10328,16 +10731,53 @@
           </a:p>
         </p:txBody>
       </p:sp>
-      <p:sp>
-        <p:nvSpPr>
-          <p:cNvPr id="14" name="TextBox 13"/>
+      <p:pic>
+        <p:nvPicPr>
+          <p:cNvPr id="3" name="그림 2"/>
+          <p:cNvPicPr>
+            <a:picLocks noChangeAspect="1"/>
+          </p:cNvPicPr>
+          <p:nvPr/>
+        </p:nvPicPr>
+        <p:blipFill>
+          <a:blip r:embed="rId2">
+            <a:extLst>
+              <a:ext uri="{28A0092B-C50C-407E-A947-70E740481C1C}">
+                <a14:useLocalDpi xmlns:a14="http://schemas.microsoft.com/office/drawing/2010/main" val="0"/>
+              </a:ext>
+            </a:extLst>
+          </a:blip>
+          <a:stretch>
+            <a:fillRect/>
+          </a:stretch>
+        </p:blipFill>
+        <p:spPr>
+          <a:xfrm>
+            <a:off x="1208584" y="1236861"/>
+            <a:ext cx="6016029" cy="5394373"/>
+          </a:xfrm>
+          <a:prstGeom prst="rect">
+            <a:avLst/>
+          </a:prstGeom>
+          <a:ln>
+            <a:solidFill>
+              <a:schemeClr val="bg1">
+                <a:lumMod val="85000"/>
+              </a:schemeClr>
+            </a:solidFill>
+          </a:ln>
+        </p:spPr>
+      </p:pic>
+      <p:sp>
+        <p:nvSpPr>
+          <p:cNvPr id="5" name="TextBox 4"/>
           <p:cNvSpPr txBox="1"/>
           <p:nvPr/>
         </p:nvSpPr>
         <p:spPr>
           <a:xfrm>
-            <a:off x="848544" y="1196752"/>
-            <a:ext cx="8280920" cy="553998"/>
+            <a:off x="6537176" y="1628800"/>
+            <a:ext cx="1800200" cy="507831"/>
           </a:xfrm>
           <a:prstGeom prst="rect">
             <a:avLst/>
@@ -10366,395 +10806,32 @@
           </a:bodyPr>
           <a:lstStyle/>
           <a:p>
-            <a:pPr marL="342900" indent="-342900">
-              <a:lnSpc>
-                <a:spcPct val="150000"/>
-              </a:lnSpc>
-              <a:buFont typeface="Wingdings" panose="05000000000000000000" pitchFamily="2" charset="2"/>
-              <a:buChar char="l"/>
-            </a:pPr>
-            <a:r>
-              <a:rPr lang="en-US" altLang="ko-KR" sz="2000" b="1" dirty="0"/>
-              <a:t>control</a:t>
-            </a:r>
-            <a:r>
-              <a:rPr lang="en-US" altLang="ko-KR" sz="2000" dirty="0" smtClean="0">
-                <a:latin typeface="휴먼엑스포" panose="02030504000101010101" pitchFamily="18" charset="-127"/>
-                <a:ea typeface="휴먼엑스포" panose="02030504000101010101" pitchFamily="18" charset="-127"/>
-              </a:rPr>
-              <a:t> </a:t>
-            </a:r>
-            <a:r>
-              <a:rPr lang="ko-KR" altLang="en-US" sz="2000" dirty="0" err="1" smtClean="0">
-                <a:latin typeface="휴먼엑스포" panose="02030504000101010101" pitchFamily="18" charset="-127"/>
-                <a:ea typeface="휴먼엑스포" panose="02030504000101010101" pitchFamily="18" charset="-127"/>
-              </a:rPr>
-              <a:t>앱</a:t>
-            </a:r>
-            <a:r>
-              <a:rPr lang="ko-KR" altLang="en-US" sz="2000" dirty="0">
-                <a:latin typeface="휴먼엑스포" panose="02030504000101010101" pitchFamily="18" charset="-127"/>
-                <a:ea typeface="휴먼엑스포" panose="02030504000101010101" pitchFamily="18" charset="-127"/>
-              </a:rPr>
-              <a:t> </a:t>
-            </a:r>
-            <a:r>
-              <a:rPr lang="ko-KR" altLang="en-US" sz="2000" dirty="0" smtClean="0">
-                <a:latin typeface="휴먼엑스포" panose="02030504000101010101" pitchFamily="18" charset="-127"/>
-                <a:ea typeface="휴먼엑스포" panose="02030504000101010101" pitchFamily="18" charset="-127"/>
-              </a:rPr>
-              <a:t>만들기 </a:t>
-            </a:r>
-            <a:endParaRPr lang="en-US" altLang="ko-KR" sz="2000" dirty="0" smtClean="0">
-              <a:latin typeface="휴먼엑스포" panose="02030504000101010101" pitchFamily="18" charset="-127"/>
-              <a:ea typeface="휴먼엑스포" panose="02030504000101010101" pitchFamily="18" charset="-127"/>
-            </a:endParaRPr>
-          </a:p>
-        </p:txBody>
-      </p:sp>
-      <p:sp>
-        <p:nvSpPr>
-          <p:cNvPr id="3" name="TextBox 2"/>
-          <p:cNvSpPr txBox="1"/>
-          <p:nvPr/>
-        </p:nvSpPr>
-        <p:spPr>
-          <a:xfrm>
-            <a:off x="1280592" y="1763524"/>
-            <a:ext cx="4248472" cy="1754326"/>
-          </a:xfrm>
-          <a:prstGeom prst="rect">
-            <a:avLst/>
-          </a:prstGeom>
-          <a:noFill/>
-        </p:spPr>
-        <p:txBody>
-          <a:bodyPr wrap="square" rtlCol="0">
-            <a:spAutoFit/>
-          </a:bodyPr>
-          <a:lstStyle/>
-          <a:p>
-            <a:pPr marL="342900" indent="-342900">
-              <a:buFont typeface="+mj-lt"/>
-              <a:buAutoNum type="arabicPeriod"/>
-            </a:pPr>
-            <a:r>
-              <a:rPr lang="en-US" altLang="ko-KR" dirty="0" smtClean="0"/>
-              <a:t>control </a:t>
-            </a:r>
-            <a:r>
-              <a:rPr lang="ko-KR" altLang="en-US" dirty="0" err="1" smtClean="0"/>
-              <a:t>앱</a:t>
-            </a:r>
-            <a:r>
-              <a:rPr lang="ko-KR" altLang="en-US" dirty="0" smtClean="0"/>
-              <a:t> 생성</a:t>
-            </a:r>
-            <a:endParaRPr lang="en-US" altLang="ko-KR" dirty="0" smtClean="0"/>
-          </a:p>
-          <a:p>
-            <a:pPr marL="342900" indent="-342900">
-              <a:buFont typeface="+mj-lt"/>
-              <a:buAutoNum type="arabicPeriod"/>
-            </a:pPr>
-            <a:endParaRPr lang="en-US" altLang="ko-KR" dirty="0"/>
-          </a:p>
-          <a:p>
-            <a:pPr marL="342900" indent="-342900">
-              <a:buFont typeface="+mj-lt"/>
-              <a:buAutoNum type="arabicPeriod"/>
-            </a:pPr>
-            <a:endParaRPr lang="en-US" altLang="ko-KR" dirty="0" smtClean="0"/>
-          </a:p>
-          <a:p>
-            <a:pPr marL="342900" indent="-342900">
-              <a:buFont typeface="+mj-lt"/>
-              <a:buAutoNum type="arabicPeriod"/>
-            </a:pPr>
-            <a:endParaRPr lang="en-US" altLang="ko-KR" dirty="0"/>
-          </a:p>
-          <a:p>
-            <a:pPr marL="342900" indent="-342900">
-              <a:buFont typeface="+mj-lt"/>
-              <a:buAutoNum type="arabicPeriod"/>
-            </a:pPr>
-            <a:endParaRPr lang="en-US" altLang="ko-KR" dirty="0" smtClean="0"/>
-          </a:p>
-          <a:p>
-            <a:pPr marL="342900" indent="-342900">
-              <a:buFont typeface="+mj-lt"/>
-              <a:buAutoNum type="arabicPeriod"/>
-            </a:pPr>
-            <a:r>
-              <a:rPr lang="en-US" altLang="ko-KR" dirty="0" smtClean="0"/>
-              <a:t>URL </a:t>
-            </a:r>
-            <a:r>
-              <a:rPr lang="ko-KR" altLang="en-US" dirty="0" err="1" smtClean="0"/>
-              <a:t>매핑</a:t>
-            </a:r>
-            <a:r>
-              <a:rPr lang="ko-KR" altLang="en-US" dirty="0" smtClean="0"/>
-              <a:t> 설정 </a:t>
-            </a:r>
-            <a:r>
-              <a:rPr lang="en-US" altLang="ko-KR" dirty="0" smtClean="0"/>
-              <a:t>– config/urls.py</a:t>
-            </a:r>
-          </a:p>
-        </p:txBody>
-      </p:sp>
-      <p:sp>
-        <p:nvSpPr>
-          <p:cNvPr id="7" name="TextBox 6"/>
-          <p:cNvSpPr txBox="1"/>
-          <p:nvPr/>
-        </p:nvSpPr>
-        <p:spPr>
-          <a:xfrm>
-            <a:off x="1640632" y="2273097"/>
-            <a:ext cx="6984776" cy="507831"/>
-          </a:xfrm>
-          <a:prstGeom prst="rect">
-            <a:avLst/>
-          </a:prstGeom>
-          <a:solidFill>
-            <a:schemeClr val="bg1">
-              <a:lumMod val="95000"/>
-            </a:schemeClr>
-          </a:solidFill>
-        </p:spPr>
-        <p:txBody>
-          <a:bodyPr wrap="square" rtlCol="0">
-            <a:spAutoFit/>
-          </a:bodyPr>
-          <a:lstStyle/>
-          <a:p>
             <a:pPr>
               <a:lnSpc>
                 <a:spcPct val="150000"/>
               </a:lnSpc>
             </a:pPr>
             <a:r>
+              <a:rPr lang="en-US" altLang="ko-KR" dirty="0">
+                <a:latin typeface="휴먼엑스포" panose="02030504000101010101" pitchFamily="18" charset="-127"/>
+                <a:ea typeface="휴먼엑스포" panose="02030504000101010101" pitchFamily="18" charset="-127"/>
+              </a:rPr>
+              <a:t>s</a:t>
+            </a:r>
+            <a:r>
               <a:rPr lang="en-US" altLang="ko-KR" dirty="0" smtClean="0">
-                <a:latin typeface="Ebrima" panose="02000000000000000000" pitchFamily="2" charset="0"/>
-                <a:ea typeface="Ebrima" panose="02000000000000000000" pitchFamily="2" charset="0"/>
-                <a:cs typeface="Ebrima" panose="02000000000000000000" pitchFamily="2" charset="0"/>
+                <a:latin typeface="휴먼엑스포" panose="02030504000101010101" pitchFamily="18" charset="-127"/>
+                <a:ea typeface="휴먼엑스포" panose="02030504000101010101" pitchFamily="18" charset="-127"/>
               </a:rPr>
-              <a:t>(</a:t>
-            </a:r>
-            <a:r>
-              <a:rPr lang="en-US" altLang="ko-KR" dirty="0" err="1" smtClean="0">
-                <a:latin typeface="Ebrima" panose="02000000000000000000" pitchFamily="2" charset="0"/>
-                <a:ea typeface="Ebrima" panose="02000000000000000000" pitchFamily="2" charset="0"/>
-                <a:cs typeface="Ebrima" panose="02000000000000000000" pitchFamily="2" charset="0"/>
-              </a:rPr>
-              <a:t>mysite</a:t>
-            </a:r>
-            <a:r>
-              <a:rPr lang="en-US" altLang="ko-KR" dirty="0" smtClean="0">
-                <a:latin typeface="Ebrima" panose="02000000000000000000" pitchFamily="2" charset="0"/>
-                <a:ea typeface="Ebrima" panose="02000000000000000000" pitchFamily="2" charset="0"/>
-                <a:cs typeface="Ebrima" panose="02000000000000000000" pitchFamily="2" charset="0"/>
-              </a:rPr>
-              <a:t>)</a:t>
-            </a:r>
-            <a:r>
-              <a:rPr lang="en-US" altLang="ko-KR" dirty="0">
-                <a:latin typeface="Ebrima" panose="02000000000000000000" pitchFamily="2" charset="0"/>
-                <a:ea typeface="Ebrima" panose="02000000000000000000" pitchFamily="2" charset="0"/>
-                <a:cs typeface="Ebrima" panose="02000000000000000000" pitchFamily="2" charset="0"/>
-              </a:rPr>
-              <a:t> C</a:t>
-            </a:r>
-            <a:r>
-              <a:rPr lang="en-US" altLang="ko-KR" dirty="0" smtClean="0">
-                <a:latin typeface="Ebrima" panose="02000000000000000000" pitchFamily="2" charset="0"/>
-                <a:ea typeface="Ebrima" panose="02000000000000000000" pitchFamily="2" charset="0"/>
-                <a:cs typeface="Ebrima" panose="02000000000000000000" pitchFamily="2" charset="0"/>
-              </a:rPr>
-              <a:t>:\projects\polls&gt;</a:t>
-            </a:r>
-            <a:r>
-              <a:rPr lang="en-US" altLang="ko-KR" b="1" dirty="0" smtClean="0">
-                <a:latin typeface="Ebrima" panose="02000000000000000000" pitchFamily="2" charset="0"/>
-                <a:ea typeface="Ebrima" panose="02000000000000000000" pitchFamily="2" charset="0"/>
-                <a:cs typeface="Ebrima" panose="02000000000000000000" pitchFamily="2" charset="0"/>
-              </a:rPr>
-              <a:t>python manage.py </a:t>
-            </a:r>
-            <a:r>
-              <a:rPr lang="en-US" altLang="ko-KR" b="1" dirty="0" err="1" smtClean="0">
-                <a:latin typeface="Ebrima" panose="02000000000000000000" pitchFamily="2" charset="0"/>
-                <a:ea typeface="Ebrima" panose="02000000000000000000" pitchFamily="2" charset="0"/>
-                <a:cs typeface="Ebrima" panose="02000000000000000000" pitchFamily="2" charset="0"/>
-              </a:rPr>
-              <a:t>startapp</a:t>
-            </a:r>
-            <a:r>
-              <a:rPr lang="en-US" altLang="ko-KR" b="1" dirty="0" smtClean="0">
-                <a:latin typeface="Ebrima" panose="02000000000000000000" pitchFamily="2" charset="0"/>
-                <a:ea typeface="Ebrima" panose="02000000000000000000" pitchFamily="2" charset="0"/>
-                <a:cs typeface="Ebrima" panose="02000000000000000000" pitchFamily="2" charset="0"/>
-              </a:rPr>
-              <a:t> </a:t>
-            </a:r>
-            <a:r>
-              <a:rPr lang="en-US" altLang="ko-KR" b="1" dirty="0"/>
-              <a:t>control</a:t>
-            </a:r>
-            <a:r>
-              <a:rPr lang="en-US" altLang="ko-KR" b="1" dirty="0" smtClean="0">
-                <a:latin typeface="Ebrima" panose="02000000000000000000" pitchFamily="2" charset="0"/>
-                <a:ea typeface="Ebrima" panose="02000000000000000000" pitchFamily="2" charset="0"/>
-                <a:cs typeface="Ebrima" panose="02000000000000000000" pitchFamily="2" charset="0"/>
-              </a:rPr>
-              <a:t> </a:t>
-            </a:r>
-            <a:endParaRPr lang="en-US" altLang="ko-KR" b="1" dirty="0">
-              <a:latin typeface="Ebrima" panose="02000000000000000000" pitchFamily="2" charset="0"/>
-              <a:ea typeface="Ebrima" panose="02000000000000000000" pitchFamily="2" charset="0"/>
-              <a:cs typeface="Ebrima" panose="02000000000000000000" pitchFamily="2" charset="0"/>
-            </a:endParaRPr>
-          </a:p>
-        </p:txBody>
-      </p:sp>
-      <p:sp>
-        <p:nvSpPr>
-          <p:cNvPr id="8" name="TextBox 7"/>
-          <p:cNvSpPr txBox="1"/>
-          <p:nvPr/>
-        </p:nvSpPr>
-        <p:spPr>
-          <a:xfrm>
-            <a:off x="1856656" y="3645024"/>
-            <a:ext cx="4464496" cy="1569660"/>
-          </a:xfrm>
-          <a:prstGeom prst="rect">
-            <a:avLst/>
-          </a:prstGeom>
-          <a:noFill/>
-          <a:ln>
-            <a:solidFill>
-              <a:schemeClr val="bg1">
-                <a:lumMod val="85000"/>
-              </a:schemeClr>
-            </a:solidFill>
-          </a:ln>
-        </p:spPr>
-        <p:txBody>
-          <a:bodyPr wrap="square" rtlCol="0">
-            <a:spAutoFit/>
-          </a:bodyPr>
-          <a:lstStyle/>
-          <a:p>
-            <a:pPr>
-              <a:lnSpc>
-                <a:spcPct val="150000"/>
-              </a:lnSpc>
-            </a:pPr>
-            <a:r>
-              <a:rPr lang="en-US" altLang="ko-KR" sz="1600" dirty="0" err="1" smtClean="0"/>
-              <a:t>urlpatterns</a:t>
-            </a:r>
-            <a:r>
-              <a:rPr lang="en-US" altLang="ko-KR" sz="1600" dirty="0" smtClean="0"/>
-              <a:t> = [</a:t>
-            </a:r>
-          </a:p>
-          <a:p>
-            <a:pPr>
-              <a:lnSpc>
-                <a:spcPct val="150000"/>
-              </a:lnSpc>
-            </a:pPr>
-            <a:r>
-              <a:rPr lang="en-US" altLang="ko-KR" sz="1600" dirty="0"/>
-              <a:t> </a:t>
-            </a:r>
-            <a:r>
-              <a:rPr lang="en-US" altLang="ko-KR" sz="1600" dirty="0" smtClean="0"/>
-              <a:t>   (… </a:t>
-            </a:r>
-            <a:r>
-              <a:rPr lang="ko-KR" altLang="en-US" sz="1600" dirty="0" smtClean="0"/>
-              <a:t>생략 </a:t>
-            </a:r>
-            <a:r>
-              <a:rPr lang="en-US" altLang="ko-KR" sz="1600" dirty="0" smtClean="0"/>
-              <a:t>…)</a:t>
-            </a:r>
-          </a:p>
-          <a:p>
-            <a:pPr>
-              <a:lnSpc>
-                <a:spcPct val="150000"/>
-              </a:lnSpc>
-            </a:pPr>
-            <a:r>
-              <a:rPr lang="en-US" altLang="ko-KR" sz="1600" dirty="0"/>
-              <a:t> </a:t>
-            </a:r>
-            <a:r>
-              <a:rPr lang="en-US" altLang="ko-KR" sz="1600" dirty="0" smtClean="0"/>
-              <a:t>   </a:t>
-            </a:r>
-            <a:r>
-              <a:rPr lang="en-US" altLang="ko-KR" sz="1600" b="1" dirty="0">
-                <a:solidFill>
-                  <a:srgbClr val="C00000"/>
-                </a:solidFill>
-              </a:rPr>
-              <a:t>path</a:t>
-            </a:r>
-            <a:r>
-              <a:rPr lang="en-US" altLang="ko-KR" sz="1600" b="1" dirty="0" smtClean="0">
-                <a:solidFill>
-                  <a:srgbClr val="C00000"/>
-                </a:solidFill>
-              </a:rPr>
-              <a:t>(‘control/’, include(‘</a:t>
-            </a:r>
-            <a:r>
-              <a:rPr lang="en-US" altLang="ko-KR" sz="1600" b="1" dirty="0" err="1" smtClean="0">
-                <a:solidFill>
-                  <a:srgbClr val="C00000"/>
-                </a:solidFill>
-              </a:rPr>
-              <a:t>control.urls</a:t>
-            </a:r>
-            <a:r>
-              <a:rPr lang="en-US" altLang="ko-KR" sz="1600" b="1" dirty="0" smtClean="0">
-                <a:solidFill>
-                  <a:srgbClr val="C00000"/>
-                </a:solidFill>
-              </a:rPr>
-              <a:t>’)),</a:t>
-            </a:r>
-            <a:endParaRPr lang="en-US" altLang="ko-KR" sz="1600" b="1" dirty="0">
-              <a:solidFill>
-                <a:srgbClr val="C00000"/>
-              </a:solidFill>
-            </a:endParaRPr>
-          </a:p>
-          <a:p>
-            <a:pPr>
-              <a:lnSpc>
-                <a:spcPct val="150000"/>
-              </a:lnSpc>
-            </a:pPr>
-            <a:r>
-              <a:rPr lang="en-US" altLang="ko-KR" sz="1600" dirty="0" smtClean="0"/>
-              <a:t>]</a:t>
-            </a:r>
-            <a:endParaRPr lang="ko-KR" altLang="en-US" sz="1600" dirty="0"/>
+              <a:t>tyle.css</a:t>
+            </a:r>
           </a:p>
         </p:txBody>
       </p:sp>
     </p:spTree>
     <p:extLst>
       <p:ext uri="{BB962C8B-B14F-4D97-AF65-F5344CB8AC3E}">
-        <p14:creationId xmlns:p14="http://schemas.microsoft.com/office/powerpoint/2010/main" val="2672730078"/>
+        <p14:creationId xmlns:p14="http://schemas.microsoft.com/office/powerpoint/2010/main" val="1809378397"/>
       </p:ext>
     </p:extLst>
   </p:cSld>
